--- a/assets/book_cover_back.pptx
+++ b/assets/book_cover_back.pptx
@@ -2,7 +2,7 @@
 <file path=ppt/presentation.xml><?xml version="1.0" encoding="utf-8"?>
 <p:presentation xmlns:a="http://schemas.openxmlformats.org/drawingml/2006/main" xmlns:r="http://schemas.openxmlformats.org/officeDocument/2006/relationships" xmlns:p="http://schemas.openxmlformats.org/presentationml/2006/main" saveSubsetFonts="1" autoCompressPictures="0">
   <p:sldMasterIdLst>
-    <p:sldMasterId id="2147483672" r:id="rId1"/>
+    <p:sldMasterId id="2147483684" r:id="rId1"/>
   </p:sldMasterIdLst>
   <p:notesMasterIdLst>
     <p:notesMasterId r:id="rId3"/>
@@ -10,14 +10,14 @@
   <p:sldIdLst>
     <p:sldId id="256" r:id="rId2"/>
   </p:sldIdLst>
-  <p:sldSz cx="6119813" cy="8640763"/>
+  <p:sldSz cx="6840538" cy="9359900"/>
   <p:notesSz cx="6858000" cy="9144000"/>
   <p:defaultTextStyle>
     <a:defPPr>
-      <a:defRPr lang="es-ES"/>
+      <a:defRPr lang="en-US"/>
     </a:defPPr>
-    <a:lvl1pPr marL="0" algn="l" defTabSz="708477" rtl="0" eaLnBrk="1" latinLnBrk="0" hangingPunct="1">
-      <a:defRPr sz="1395" kern="1200">
+    <a:lvl1pPr marL="0" algn="l" defTabSz="457200" rtl="0" eaLnBrk="1" latinLnBrk="0" hangingPunct="1">
+      <a:defRPr sz="1800" kern="1200">
         <a:solidFill>
           <a:schemeClr val="tx1"/>
         </a:solidFill>
@@ -26,8 +26,8 @@
         <a:cs typeface="+mn-cs"/>
       </a:defRPr>
     </a:lvl1pPr>
-    <a:lvl2pPr marL="354239" algn="l" defTabSz="708477" rtl="0" eaLnBrk="1" latinLnBrk="0" hangingPunct="1">
-      <a:defRPr sz="1395" kern="1200">
+    <a:lvl2pPr marL="457200" algn="l" defTabSz="457200" rtl="0" eaLnBrk="1" latinLnBrk="0" hangingPunct="1">
+      <a:defRPr sz="1800" kern="1200">
         <a:solidFill>
           <a:schemeClr val="tx1"/>
         </a:solidFill>
@@ -36,8 +36,8 @@
         <a:cs typeface="+mn-cs"/>
       </a:defRPr>
     </a:lvl2pPr>
-    <a:lvl3pPr marL="708477" algn="l" defTabSz="708477" rtl="0" eaLnBrk="1" latinLnBrk="0" hangingPunct="1">
-      <a:defRPr sz="1395" kern="1200">
+    <a:lvl3pPr marL="914400" algn="l" defTabSz="457200" rtl="0" eaLnBrk="1" latinLnBrk="0" hangingPunct="1">
+      <a:defRPr sz="1800" kern="1200">
         <a:solidFill>
           <a:schemeClr val="tx1"/>
         </a:solidFill>
@@ -46,8 +46,8 @@
         <a:cs typeface="+mn-cs"/>
       </a:defRPr>
     </a:lvl3pPr>
-    <a:lvl4pPr marL="1062716" algn="l" defTabSz="708477" rtl="0" eaLnBrk="1" latinLnBrk="0" hangingPunct="1">
-      <a:defRPr sz="1395" kern="1200">
+    <a:lvl4pPr marL="1371600" algn="l" defTabSz="457200" rtl="0" eaLnBrk="1" latinLnBrk="0" hangingPunct="1">
+      <a:defRPr sz="1800" kern="1200">
         <a:solidFill>
           <a:schemeClr val="tx1"/>
         </a:solidFill>
@@ -56,8 +56,8 @@
         <a:cs typeface="+mn-cs"/>
       </a:defRPr>
     </a:lvl4pPr>
-    <a:lvl5pPr marL="1416954" algn="l" defTabSz="708477" rtl="0" eaLnBrk="1" latinLnBrk="0" hangingPunct="1">
-      <a:defRPr sz="1395" kern="1200">
+    <a:lvl5pPr marL="1828800" algn="l" defTabSz="457200" rtl="0" eaLnBrk="1" latinLnBrk="0" hangingPunct="1">
+      <a:defRPr sz="1800" kern="1200">
         <a:solidFill>
           <a:schemeClr val="tx1"/>
         </a:solidFill>
@@ -66,8 +66,8 @@
         <a:cs typeface="+mn-cs"/>
       </a:defRPr>
     </a:lvl5pPr>
-    <a:lvl6pPr marL="1771193" algn="l" defTabSz="708477" rtl="0" eaLnBrk="1" latinLnBrk="0" hangingPunct="1">
-      <a:defRPr sz="1395" kern="1200">
+    <a:lvl6pPr marL="2286000" algn="l" defTabSz="457200" rtl="0" eaLnBrk="1" latinLnBrk="0" hangingPunct="1">
+      <a:defRPr sz="1800" kern="1200">
         <a:solidFill>
           <a:schemeClr val="tx1"/>
         </a:solidFill>
@@ -76,8 +76,8 @@
         <a:cs typeface="+mn-cs"/>
       </a:defRPr>
     </a:lvl6pPr>
-    <a:lvl7pPr marL="2125431" algn="l" defTabSz="708477" rtl="0" eaLnBrk="1" latinLnBrk="0" hangingPunct="1">
-      <a:defRPr sz="1395" kern="1200">
+    <a:lvl7pPr marL="2743200" algn="l" defTabSz="457200" rtl="0" eaLnBrk="1" latinLnBrk="0" hangingPunct="1">
+      <a:defRPr sz="1800" kern="1200">
         <a:solidFill>
           <a:schemeClr val="tx1"/>
         </a:solidFill>
@@ -86,8 +86,8 @@
         <a:cs typeface="+mn-cs"/>
       </a:defRPr>
     </a:lvl7pPr>
-    <a:lvl8pPr marL="2479670" algn="l" defTabSz="708477" rtl="0" eaLnBrk="1" latinLnBrk="0" hangingPunct="1">
-      <a:defRPr sz="1395" kern="1200">
+    <a:lvl8pPr marL="3200400" algn="l" defTabSz="457200" rtl="0" eaLnBrk="1" latinLnBrk="0" hangingPunct="1">
+      <a:defRPr sz="1800" kern="1200">
         <a:solidFill>
           <a:schemeClr val="tx1"/>
         </a:solidFill>
@@ -96,8 +96,8 @@
         <a:cs typeface="+mn-cs"/>
       </a:defRPr>
     </a:lvl8pPr>
-    <a:lvl9pPr marL="2833908" algn="l" defTabSz="708477" rtl="0" eaLnBrk="1" latinLnBrk="0" hangingPunct="1">
-      <a:defRPr sz="1395" kern="1200">
+    <a:lvl9pPr marL="3657600" algn="l" defTabSz="457200" rtl="0" eaLnBrk="1" latinLnBrk="0" hangingPunct="1">
+      <a:defRPr sz="1800" kern="1200">
         <a:solidFill>
           <a:schemeClr val="tx1"/>
         </a:solidFill>
@@ -110,12 +110,12 @@
   <p:extLst>
     <p:ext uri="{EFAFB233-063F-42B5-8137-9DF3F51BA10A}">
       <p15:sldGuideLst xmlns:p15="http://schemas.microsoft.com/office/powerpoint/2012/main">
-        <p15:guide id="1" orient="horz" pos="2722" userDrawn="1">
+        <p15:guide id="1" orient="horz" pos="2949" userDrawn="1">
           <p15:clr>
             <a:srgbClr val="A4A3A4"/>
           </p15:clr>
         </p15:guide>
-        <p15:guide id="2" pos="1928" userDrawn="1">
+        <p15:guide id="2" pos="2155" userDrawn="1">
           <p15:clr>
             <a:srgbClr val="A4A3A4"/>
           </p15:clr>
@@ -208,7 +208,7 @@
           <a:p>
             <a:fld id="{6D9A8CD1-40CD-6E45-925F-CD7D0C80186A}" type="datetimeFigureOut">
               <a:rPr lang="es-ES" smtClean="0"/>
-              <a:t>18/6/25</a:t>
+              <a:t>4/7/25</a:t>
             </a:fld>
             <a:endParaRPr lang="es-ES"/>
           </a:p>
@@ -226,8 +226,8 @@
         </p:nvSpPr>
         <p:spPr>
           <a:xfrm>
-            <a:off x="2336800" y="1143000"/>
-            <a:ext cx="2184400" cy="3086100"/>
+            <a:off x="2301875" y="1143000"/>
+            <a:ext cx="2254250" cy="3086100"/>
           </a:xfrm>
           <a:prstGeom prst="rect">
             <a:avLst/>
@@ -356,8 +356,8 @@
   </p:cSld>
   <p:clrMap bg1="lt1" tx1="dk1" bg2="lt2" tx2="dk2" accent1="accent1" accent2="accent2" accent3="accent3" accent4="accent4" accent5="accent5" accent6="accent6" hlink="hlink" folHlink="folHlink"/>
   <p:notesStyle>
-    <a:lvl1pPr marL="0" algn="l" defTabSz="708477" rtl="0" eaLnBrk="1" latinLnBrk="0" hangingPunct="1">
-      <a:defRPr sz="930" kern="1200">
+    <a:lvl1pPr marL="0" algn="l" defTabSz="777554" rtl="0" eaLnBrk="1" latinLnBrk="0" hangingPunct="1">
+      <a:defRPr sz="1021" kern="1200">
         <a:solidFill>
           <a:schemeClr val="tx1"/>
         </a:solidFill>
@@ -366,8 +366,8 @@
         <a:cs typeface="+mn-cs"/>
       </a:defRPr>
     </a:lvl1pPr>
-    <a:lvl2pPr marL="354239" algn="l" defTabSz="708477" rtl="0" eaLnBrk="1" latinLnBrk="0" hangingPunct="1">
-      <a:defRPr sz="930" kern="1200">
+    <a:lvl2pPr marL="388777" algn="l" defTabSz="777554" rtl="0" eaLnBrk="1" latinLnBrk="0" hangingPunct="1">
+      <a:defRPr sz="1021" kern="1200">
         <a:solidFill>
           <a:schemeClr val="tx1"/>
         </a:solidFill>
@@ -376,8 +376,8 @@
         <a:cs typeface="+mn-cs"/>
       </a:defRPr>
     </a:lvl2pPr>
-    <a:lvl3pPr marL="708477" algn="l" defTabSz="708477" rtl="0" eaLnBrk="1" latinLnBrk="0" hangingPunct="1">
-      <a:defRPr sz="930" kern="1200">
+    <a:lvl3pPr marL="777554" algn="l" defTabSz="777554" rtl="0" eaLnBrk="1" latinLnBrk="0" hangingPunct="1">
+      <a:defRPr sz="1021" kern="1200">
         <a:solidFill>
           <a:schemeClr val="tx1"/>
         </a:solidFill>
@@ -386,8 +386,8 @@
         <a:cs typeface="+mn-cs"/>
       </a:defRPr>
     </a:lvl3pPr>
-    <a:lvl4pPr marL="1062716" algn="l" defTabSz="708477" rtl="0" eaLnBrk="1" latinLnBrk="0" hangingPunct="1">
-      <a:defRPr sz="930" kern="1200">
+    <a:lvl4pPr marL="1166331" algn="l" defTabSz="777554" rtl="0" eaLnBrk="1" latinLnBrk="0" hangingPunct="1">
+      <a:defRPr sz="1021" kern="1200">
         <a:solidFill>
           <a:schemeClr val="tx1"/>
         </a:solidFill>
@@ -396,8 +396,8 @@
         <a:cs typeface="+mn-cs"/>
       </a:defRPr>
     </a:lvl4pPr>
-    <a:lvl5pPr marL="1416954" algn="l" defTabSz="708477" rtl="0" eaLnBrk="1" latinLnBrk="0" hangingPunct="1">
-      <a:defRPr sz="930" kern="1200">
+    <a:lvl5pPr marL="1555107" algn="l" defTabSz="777554" rtl="0" eaLnBrk="1" latinLnBrk="0" hangingPunct="1">
+      <a:defRPr sz="1021" kern="1200">
         <a:solidFill>
           <a:schemeClr val="tx1"/>
         </a:solidFill>
@@ -406,8 +406,8 @@
         <a:cs typeface="+mn-cs"/>
       </a:defRPr>
     </a:lvl5pPr>
-    <a:lvl6pPr marL="1771193" algn="l" defTabSz="708477" rtl="0" eaLnBrk="1" latinLnBrk="0" hangingPunct="1">
-      <a:defRPr sz="930" kern="1200">
+    <a:lvl6pPr marL="1943884" algn="l" defTabSz="777554" rtl="0" eaLnBrk="1" latinLnBrk="0" hangingPunct="1">
+      <a:defRPr sz="1021" kern="1200">
         <a:solidFill>
           <a:schemeClr val="tx1"/>
         </a:solidFill>
@@ -416,8 +416,8 @@
         <a:cs typeface="+mn-cs"/>
       </a:defRPr>
     </a:lvl6pPr>
-    <a:lvl7pPr marL="2125431" algn="l" defTabSz="708477" rtl="0" eaLnBrk="1" latinLnBrk="0" hangingPunct="1">
-      <a:defRPr sz="930" kern="1200">
+    <a:lvl7pPr marL="2332661" algn="l" defTabSz="777554" rtl="0" eaLnBrk="1" latinLnBrk="0" hangingPunct="1">
+      <a:defRPr sz="1021" kern="1200">
         <a:solidFill>
           <a:schemeClr val="tx1"/>
         </a:solidFill>
@@ -426,8 +426,8 @@
         <a:cs typeface="+mn-cs"/>
       </a:defRPr>
     </a:lvl7pPr>
-    <a:lvl8pPr marL="2479670" algn="l" defTabSz="708477" rtl="0" eaLnBrk="1" latinLnBrk="0" hangingPunct="1">
-      <a:defRPr sz="930" kern="1200">
+    <a:lvl8pPr marL="2721438" algn="l" defTabSz="777554" rtl="0" eaLnBrk="1" latinLnBrk="0" hangingPunct="1">
+      <a:defRPr sz="1021" kern="1200">
         <a:solidFill>
           <a:schemeClr val="tx1"/>
         </a:solidFill>
@@ -436,8 +436,8 @@
         <a:cs typeface="+mn-cs"/>
       </a:defRPr>
     </a:lvl8pPr>
-    <a:lvl9pPr marL="2833908" algn="l" defTabSz="708477" rtl="0" eaLnBrk="1" latinLnBrk="0" hangingPunct="1">
-      <a:defRPr sz="930" kern="1200">
+    <a:lvl9pPr marL="3110214" algn="l" defTabSz="777554" rtl="0" eaLnBrk="1" latinLnBrk="0" hangingPunct="1">
+      <a:defRPr sz="1021" kern="1200">
         <a:solidFill>
           <a:schemeClr val="tx1"/>
         </a:solidFill>
@@ -477,7 +477,12 @@
             <p:ph type="sldImg"/>
           </p:nvPr>
         </p:nvSpPr>
-        <p:spPr/>
+        <p:spPr>
+          <a:xfrm>
+            <a:off x="2301875" y="1143000"/>
+            <a:ext cx="2254250" cy="3086100"/>
+          </a:xfrm>
+        </p:spPr>
       </p:sp>
       <p:sp>
         <p:nvSpPr>
@@ -563,15 +568,15 @@
         </p:nvSpPr>
         <p:spPr>
           <a:xfrm>
-            <a:off x="458986" y="1414125"/>
-            <a:ext cx="5201841" cy="3008266"/>
+            <a:off x="513041" y="1531818"/>
+            <a:ext cx="5814457" cy="3258632"/>
           </a:xfrm>
         </p:spPr>
         <p:txBody>
           <a:bodyPr anchor="b"/>
           <a:lstStyle>
             <a:lvl1pPr algn="ctr">
-              <a:defRPr sz="4016"/>
+              <a:defRPr sz="4489"/>
             </a:lvl1pPr>
           </a:lstStyle>
           <a:p>
@@ -595,8 +600,8 @@
         </p:nvSpPr>
         <p:spPr>
           <a:xfrm>
-            <a:off x="764977" y="4538401"/>
-            <a:ext cx="4589860" cy="2086184"/>
+            <a:off x="855067" y="4916115"/>
+            <a:ext cx="5130404" cy="2259809"/>
           </a:xfrm>
         </p:spPr>
         <p:txBody>
@@ -604,39 +609,39 @@
           <a:lstStyle>
             <a:lvl1pPr marL="0" indent="0" algn="ctr">
               <a:buNone/>
-              <a:defRPr sz="1606"/>
+              <a:defRPr sz="1795"/>
             </a:lvl1pPr>
-            <a:lvl2pPr marL="306004" indent="0" algn="ctr">
-              <a:buNone/>
-              <a:defRPr sz="1339"/>
+            <a:lvl2pPr marL="342031" indent="0" algn="ctr">
+              <a:buNone/>
+              <a:defRPr sz="1496"/>
             </a:lvl2pPr>
-            <a:lvl3pPr marL="612008" indent="0" algn="ctr">
-              <a:buNone/>
-              <a:defRPr sz="1205"/>
+            <a:lvl3pPr marL="684063" indent="0" algn="ctr">
+              <a:buNone/>
+              <a:defRPr sz="1347"/>
             </a:lvl3pPr>
-            <a:lvl4pPr marL="918012" indent="0" algn="ctr">
-              <a:buNone/>
-              <a:defRPr sz="1071"/>
+            <a:lvl4pPr marL="1026094" indent="0" algn="ctr">
+              <a:buNone/>
+              <a:defRPr sz="1197"/>
             </a:lvl4pPr>
-            <a:lvl5pPr marL="1224016" indent="0" algn="ctr">
-              <a:buNone/>
-              <a:defRPr sz="1071"/>
+            <a:lvl5pPr marL="1368125" indent="0" algn="ctr">
+              <a:buNone/>
+              <a:defRPr sz="1197"/>
             </a:lvl5pPr>
-            <a:lvl6pPr marL="1530020" indent="0" algn="ctr">
-              <a:buNone/>
-              <a:defRPr sz="1071"/>
+            <a:lvl6pPr marL="1710157" indent="0" algn="ctr">
+              <a:buNone/>
+              <a:defRPr sz="1197"/>
             </a:lvl6pPr>
-            <a:lvl7pPr marL="1836024" indent="0" algn="ctr">
-              <a:buNone/>
-              <a:defRPr sz="1071"/>
+            <a:lvl7pPr marL="2052188" indent="0" algn="ctr">
+              <a:buNone/>
+              <a:defRPr sz="1197"/>
             </a:lvl7pPr>
-            <a:lvl8pPr marL="2142028" indent="0" algn="ctr">
-              <a:buNone/>
-              <a:defRPr sz="1071"/>
+            <a:lvl8pPr marL="2394219" indent="0" algn="ctr">
+              <a:buNone/>
+              <a:defRPr sz="1197"/>
             </a:lvl8pPr>
-            <a:lvl9pPr marL="2448032" indent="0" algn="ctr">
-              <a:buNone/>
-              <a:defRPr sz="1071"/>
+            <a:lvl9pPr marL="2736251" indent="0" algn="ctr">
+              <a:buNone/>
+              <a:defRPr sz="1197"/>
             </a:lvl9pPr>
           </a:lstStyle>
           <a:p>
@@ -665,7 +670,7 @@
           <a:p>
             <a:fld id="{389E26BA-BD8D-8D49-924D-BD92A6C5B418}" type="datetimeFigureOut">
               <a:rPr lang="es-ES" smtClean="0"/>
-              <a:t>18/6/25</a:t>
+              <a:t>4/7/25</a:t>
             </a:fld>
             <a:endParaRPr lang="es-ES"/>
           </a:p>
@@ -716,7 +721,7 @@
     </p:spTree>
     <p:extLst>
       <p:ext uri="{BB962C8B-B14F-4D97-AF65-F5344CB8AC3E}">
-        <p14:creationId xmlns:p14="http://schemas.microsoft.com/office/powerpoint/2010/main" val="522659561"/>
+        <p14:creationId xmlns:p14="http://schemas.microsoft.com/office/powerpoint/2010/main" val="3213100228"/>
       </p:ext>
     </p:extLst>
   </p:cSld>
@@ -784,11 +789,35 @@
             <a:pPr lvl="0"/>
             <a:r>
               <a:rPr lang="es-ES"/>
-              <a:t>Editar los estilos de texto del patrón
-Segundo nivel
-Tercer nivel
-Cuarto nivel
-Quinto nivel</a:t>
+              <a:t>Haga clic para modificar los estilos de texto del patrón</a:t>
+            </a:r>
+          </a:p>
+          <a:p>
+            <a:pPr lvl="1"/>
+            <a:r>
+              <a:rPr lang="es-ES"/>
+              <a:t>Segundo nivel</a:t>
+            </a:r>
+          </a:p>
+          <a:p>
+            <a:pPr lvl="2"/>
+            <a:r>
+              <a:rPr lang="es-ES"/>
+              <a:t>Tercer nivel</a:t>
+            </a:r>
+          </a:p>
+          <a:p>
+            <a:pPr lvl="3"/>
+            <a:r>
+              <a:rPr lang="es-ES"/>
+              <a:t>Cuarto nivel</a:t>
+            </a:r>
+          </a:p>
+          <a:p>
+            <a:pPr lvl="4"/>
+            <a:r>
+              <a:rPr lang="es-ES"/>
+              <a:t>Quinto nivel</a:t>
             </a:r>
             <a:endParaRPr lang="en-US" dirty="0"/>
           </a:p>
@@ -811,7 +840,7 @@
           <a:p>
             <a:fld id="{389E26BA-BD8D-8D49-924D-BD92A6C5B418}" type="datetimeFigureOut">
               <a:rPr lang="es-ES" smtClean="0"/>
-              <a:t>18/6/25</a:t>
+              <a:t>4/7/25</a:t>
             </a:fld>
             <a:endParaRPr lang="es-ES"/>
           </a:p>
@@ -862,7 +891,7 @@
     </p:spTree>
     <p:extLst>
       <p:ext uri="{BB962C8B-B14F-4D97-AF65-F5344CB8AC3E}">
-        <p14:creationId xmlns:p14="http://schemas.microsoft.com/office/powerpoint/2010/main" val="1983436047"/>
+        <p14:creationId xmlns:p14="http://schemas.microsoft.com/office/powerpoint/2010/main" val="2943913319"/>
       </p:ext>
     </p:extLst>
   </p:cSld>
@@ -901,8 +930,8 @@
         </p:nvSpPr>
         <p:spPr>
           <a:xfrm>
-            <a:off x="4379491" y="460041"/>
-            <a:ext cx="1319585" cy="7322647"/>
+            <a:off x="4895260" y="498328"/>
+            <a:ext cx="1474991" cy="7932083"/>
           </a:xfrm>
         </p:spPr>
         <p:txBody>
@@ -929,8 +958,8 @@
         </p:nvSpPr>
         <p:spPr>
           <a:xfrm>
-            <a:off x="420738" y="460041"/>
-            <a:ext cx="3882256" cy="7322647"/>
+            <a:off x="470288" y="498328"/>
+            <a:ext cx="4339466" cy="7932083"/>
           </a:xfrm>
         </p:spPr>
         <p:txBody>
@@ -940,11 +969,35 @@
             <a:pPr lvl="0"/>
             <a:r>
               <a:rPr lang="es-ES"/>
-              <a:t>Editar los estilos de texto del patrón
-Segundo nivel
-Tercer nivel
-Cuarto nivel
-Quinto nivel</a:t>
+              <a:t>Haga clic para modificar los estilos de texto del patrón</a:t>
+            </a:r>
+          </a:p>
+          <a:p>
+            <a:pPr lvl="1"/>
+            <a:r>
+              <a:rPr lang="es-ES"/>
+              <a:t>Segundo nivel</a:t>
+            </a:r>
+          </a:p>
+          <a:p>
+            <a:pPr lvl="2"/>
+            <a:r>
+              <a:rPr lang="es-ES"/>
+              <a:t>Tercer nivel</a:t>
+            </a:r>
+          </a:p>
+          <a:p>
+            <a:pPr lvl="3"/>
+            <a:r>
+              <a:rPr lang="es-ES"/>
+              <a:t>Cuarto nivel</a:t>
+            </a:r>
+          </a:p>
+          <a:p>
+            <a:pPr lvl="4"/>
+            <a:r>
+              <a:rPr lang="es-ES"/>
+              <a:t>Quinto nivel</a:t>
             </a:r>
             <a:endParaRPr lang="en-US" dirty="0"/>
           </a:p>
@@ -967,7 +1020,7 @@
           <a:p>
             <a:fld id="{389E26BA-BD8D-8D49-924D-BD92A6C5B418}" type="datetimeFigureOut">
               <a:rPr lang="es-ES" smtClean="0"/>
-              <a:t>18/6/25</a:t>
+              <a:t>4/7/25</a:t>
             </a:fld>
             <a:endParaRPr lang="es-ES"/>
           </a:p>
@@ -1018,7 +1071,7 @@
     </p:spTree>
     <p:extLst>
       <p:ext uri="{BB962C8B-B14F-4D97-AF65-F5344CB8AC3E}">
-        <p14:creationId xmlns:p14="http://schemas.microsoft.com/office/powerpoint/2010/main" val="1591727386"/>
+        <p14:creationId xmlns:p14="http://schemas.microsoft.com/office/powerpoint/2010/main" val="3544199342"/>
       </p:ext>
     </p:extLst>
   </p:cSld>
@@ -1086,11 +1139,35 @@
             <a:pPr lvl="0"/>
             <a:r>
               <a:rPr lang="es-ES"/>
-              <a:t>Editar los estilos de texto del patrón
-Segundo nivel
-Tercer nivel
-Cuarto nivel
-Quinto nivel</a:t>
+              <a:t>Haga clic para modificar los estilos de texto del patrón</a:t>
+            </a:r>
+          </a:p>
+          <a:p>
+            <a:pPr lvl="1"/>
+            <a:r>
+              <a:rPr lang="es-ES"/>
+              <a:t>Segundo nivel</a:t>
+            </a:r>
+          </a:p>
+          <a:p>
+            <a:pPr lvl="2"/>
+            <a:r>
+              <a:rPr lang="es-ES"/>
+              <a:t>Tercer nivel</a:t>
+            </a:r>
+          </a:p>
+          <a:p>
+            <a:pPr lvl="3"/>
+            <a:r>
+              <a:rPr lang="es-ES"/>
+              <a:t>Cuarto nivel</a:t>
+            </a:r>
+          </a:p>
+          <a:p>
+            <a:pPr lvl="4"/>
+            <a:r>
+              <a:rPr lang="es-ES"/>
+              <a:t>Quinto nivel</a:t>
             </a:r>
             <a:endParaRPr lang="en-US" dirty="0"/>
           </a:p>
@@ -1113,7 +1190,7 @@
           <a:p>
             <a:fld id="{389E26BA-BD8D-8D49-924D-BD92A6C5B418}" type="datetimeFigureOut">
               <a:rPr lang="es-ES" smtClean="0"/>
-              <a:t>18/6/25</a:t>
+              <a:t>4/7/25</a:t>
             </a:fld>
             <a:endParaRPr lang="es-ES"/>
           </a:p>
@@ -1164,7 +1241,7 @@
     </p:spTree>
     <p:extLst>
       <p:ext uri="{BB962C8B-B14F-4D97-AF65-F5344CB8AC3E}">
-        <p14:creationId xmlns:p14="http://schemas.microsoft.com/office/powerpoint/2010/main" val="2757961320"/>
+        <p14:creationId xmlns:p14="http://schemas.microsoft.com/office/powerpoint/2010/main" val="1697944280"/>
       </p:ext>
     </p:extLst>
   </p:cSld>
@@ -1203,15 +1280,15 @@
         </p:nvSpPr>
         <p:spPr>
           <a:xfrm>
-            <a:off x="417550" y="2154193"/>
-            <a:ext cx="5278339" cy="3594317"/>
+            <a:off x="466725" y="2333478"/>
+            <a:ext cx="5899964" cy="3893458"/>
           </a:xfrm>
         </p:spPr>
         <p:txBody>
           <a:bodyPr anchor="b"/>
           <a:lstStyle>
             <a:lvl1pPr>
-              <a:defRPr sz="4016"/>
+              <a:defRPr sz="4489"/>
             </a:lvl1pPr>
           </a:lstStyle>
           <a:p>
@@ -1235,8 +1312,8 @@
         </p:nvSpPr>
         <p:spPr>
           <a:xfrm>
-            <a:off x="417550" y="5782513"/>
-            <a:ext cx="5278339" cy="1890166"/>
+            <a:off x="466725" y="6263769"/>
+            <a:ext cx="5899964" cy="2047477"/>
           </a:xfrm>
         </p:spPr>
         <p:txBody>
@@ -1244,15 +1321,15 @@
           <a:lstStyle>
             <a:lvl1pPr marL="0" indent="0">
               <a:buNone/>
-              <a:defRPr sz="1606">
+              <a:defRPr sz="1795">
                 <a:solidFill>
                   <a:schemeClr val="tx1"/>
                 </a:solidFill>
               </a:defRPr>
             </a:lvl1pPr>
-            <a:lvl2pPr marL="306004" indent="0">
-              <a:buNone/>
-              <a:defRPr sz="1339">
+            <a:lvl2pPr marL="342031" indent="0">
+              <a:buNone/>
+              <a:defRPr sz="1496">
                 <a:solidFill>
                   <a:schemeClr val="tx1">
                     <a:tint val="75000"/>
@@ -1260,9 +1337,9 @@
                 </a:solidFill>
               </a:defRPr>
             </a:lvl2pPr>
-            <a:lvl3pPr marL="612008" indent="0">
-              <a:buNone/>
-              <a:defRPr sz="1205">
+            <a:lvl3pPr marL="684063" indent="0">
+              <a:buNone/>
+              <a:defRPr sz="1347">
                 <a:solidFill>
                   <a:schemeClr val="tx1">
                     <a:tint val="75000"/>
@@ -1270,9 +1347,9 @@
                 </a:solidFill>
               </a:defRPr>
             </a:lvl3pPr>
-            <a:lvl4pPr marL="918012" indent="0">
-              <a:buNone/>
-              <a:defRPr sz="1071">
+            <a:lvl4pPr marL="1026094" indent="0">
+              <a:buNone/>
+              <a:defRPr sz="1197">
                 <a:solidFill>
                   <a:schemeClr val="tx1">
                     <a:tint val="75000"/>
@@ -1280,9 +1357,9 @@
                 </a:solidFill>
               </a:defRPr>
             </a:lvl4pPr>
-            <a:lvl5pPr marL="1224016" indent="0">
-              <a:buNone/>
-              <a:defRPr sz="1071">
+            <a:lvl5pPr marL="1368125" indent="0">
+              <a:buNone/>
+              <a:defRPr sz="1197">
                 <a:solidFill>
                   <a:schemeClr val="tx1">
                     <a:tint val="75000"/>
@@ -1290,9 +1367,9 @@
                 </a:solidFill>
               </a:defRPr>
             </a:lvl5pPr>
-            <a:lvl6pPr marL="1530020" indent="0">
-              <a:buNone/>
-              <a:defRPr sz="1071">
+            <a:lvl6pPr marL="1710157" indent="0">
+              <a:buNone/>
+              <a:defRPr sz="1197">
                 <a:solidFill>
                   <a:schemeClr val="tx1">
                     <a:tint val="75000"/>
@@ -1300,9 +1377,9 @@
                 </a:solidFill>
               </a:defRPr>
             </a:lvl6pPr>
-            <a:lvl7pPr marL="1836024" indent="0">
-              <a:buNone/>
-              <a:defRPr sz="1071">
+            <a:lvl7pPr marL="2052188" indent="0">
+              <a:buNone/>
+              <a:defRPr sz="1197">
                 <a:solidFill>
                   <a:schemeClr val="tx1">
                     <a:tint val="75000"/>
@@ -1310,9 +1387,9 @@
                 </a:solidFill>
               </a:defRPr>
             </a:lvl7pPr>
-            <a:lvl8pPr marL="2142028" indent="0">
-              <a:buNone/>
-              <a:defRPr sz="1071">
+            <a:lvl8pPr marL="2394219" indent="0">
+              <a:buNone/>
+              <a:defRPr sz="1197">
                 <a:solidFill>
                   <a:schemeClr val="tx1">
                     <a:tint val="75000"/>
@@ -1320,9 +1397,9 @@
                 </a:solidFill>
               </a:defRPr>
             </a:lvl8pPr>
-            <a:lvl9pPr marL="2448032" indent="0">
-              <a:buNone/>
-              <a:defRPr sz="1071">
+            <a:lvl9pPr marL="2736251" indent="0">
+              <a:buNone/>
+              <a:defRPr sz="1197">
                 <a:solidFill>
                   <a:schemeClr val="tx1">
                     <a:tint val="75000"/>
@@ -1335,13 +1412,8 @@
             <a:pPr lvl="0"/>
             <a:r>
               <a:rPr lang="es-ES"/>
-              <a:t>Editar los estilos de texto del patrón
-Segundo nivel
-Tercer nivel
-Cuarto nivel
-Quinto nivel</a:t>
-            </a:r>
-            <a:endParaRPr lang="en-US" dirty="0"/>
+              <a:t>Haga clic para modificar los estilos de texto del patrón</a:t>
+            </a:r>
           </a:p>
         </p:txBody>
       </p:sp>
@@ -1362,7 +1434,7 @@
           <a:p>
             <a:fld id="{389E26BA-BD8D-8D49-924D-BD92A6C5B418}" type="datetimeFigureOut">
               <a:rPr lang="es-ES" smtClean="0"/>
-              <a:t>18/6/25</a:t>
+              <a:t>4/7/25</a:t>
             </a:fld>
             <a:endParaRPr lang="es-ES"/>
           </a:p>
@@ -1413,7 +1485,7 @@
     </p:spTree>
     <p:extLst>
       <p:ext uri="{BB962C8B-B14F-4D97-AF65-F5344CB8AC3E}">
-        <p14:creationId xmlns:p14="http://schemas.microsoft.com/office/powerpoint/2010/main" val="249164266"/>
+        <p14:creationId xmlns:p14="http://schemas.microsoft.com/office/powerpoint/2010/main" val="1370409925"/>
       </p:ext>
     </p:extLst>
   </p:cSld>
@@ -1475,8 +1547,8 @@
         </p:nvSpPr>
         <p:spPr>
           <a:xfrm>
-            <a:off x="420737" y="2300203"/>
-            <a:ext cx="2600921" cy="5482485"/>
+            <a:off x="470287" y="2491640"/>
+            <a:ext cx="2907229" cy="5938771"/>
           </a:xfrm>
         </p:spPr>
         <p:txBody>
@@ -1486,11 +1558,35 @@
             <a:pPr lvl="0"/>
             <a:r>
               <a:rPr lang="es-ES"/>
-              <a:t>Editar los estilos de texto del patrón
-Segundo nivel
-Tercer nivel
-Cuarto nivel
-Quinto nivel</a:t>
+              <a:t>Haga clic para modificar los estilos de texto del patrón</a:t>
+            </a:r>
+          </a:p>
+          <a:p>
+            <a:pPr lvl="1"/>
+            <a:r>
+              <a:rPr lang="es-ES"/>
+              <a:t>Segundo nivel</a:t>
+            </a:r>
+          </a:p>
+          <a:p>
+            <a:pPr lvl="2"/>
+            <a:r>
+              <a:rPr lang="es-ES"/>
+              <a:t>Tercer nivel</a:t>
+            </a:r>
+          </a:p>
+          <a:p>
+            <a:pPr lvl="3"/>
+            <a:r>
+              <a:rPr lang="es-ES"/>
+              <a:t>Cuarto nivel</a:t>
+            </a:r>
+          </a:p>
+          <a:p>
+            <a:pPr lvl="4"/>
+            <a:r>
+              <a:rPr lang="es-ES"/>
+              <a:t>Quinto nivel</a:t>
             </a:r>
             <a:endParaRPr lang="en-US" dirty="0"/>
           </a:p>
@@ -1508,8 +1604,8 @@
         </p:nvSpPr>
         <p:spPr>
           <a:xfrm>
-            <a:off x="3098155" y="2300203"/>
-            <a:ext cx="2600921" cy="5482485"/>
+            <a:off x="3463022" y="2491640"/>
+            <a:ext cx="2907229" cy="5938771"/>
           </a:xfrm>
         </p:spPr>
         <p:txBody>
@@ -1519,11 +1615,35 @@
             <a:pPr lvl="0"/>
             <a:r>
               <a:rPr lang="es-ES"/>
-              <a:t>Editar los estilos de texto del patrón
-Segundo nivel
-Tercer nivel
-Cuarto nivel
-Quinto nivel</a:t>
+              <a:t>Haga clic para modificar los estilos de texto del patrón</a:t>
+            </a:r>
+          </a:p>
+          <a:p>
+            <a:pPr lvl="1"/>
+            <a:r>
+              <a:rPr lang="es-ES"/>
+              <a:t>Segundo nivel</a:t>
+            </a:r>
+          </a:p>
+          <a:p>
+            <a:pPr lvl="2"/>
+            <a:r>
+              <a:rPr lang="es-ES"/>
+              <a:t>Tercer nivel</a:t>
+            </a:r>
+          </a:p>
+          <a:p>
+            <a:pPr lvl="3"/>
+            <a:r>
+              <a:rPr lang="es-ES"/>
+              <a:t>Cuarto nivel</a:t>
+            </a:r>
+          </a:p>
+          <a:p>
+            <a:pPr lvl="4"/>
+            <a:r>
+              <a:rPr lang="es-ES"/>
+              <a:t>Quinto nivel</a:t>
             </a:r>
             <a:endParaRPr lang="en-US" dirty="0"/>
           </a:p>
@@ -1546,7 +1666,7 @@
           <a:p>
             <a:fld id="{389E26BA-BD8D-8D49-924D-BD92A6C5B418}" type="datetimeFigureOut">
               <a:rPr lang="es-ES" smtClean="0"/>
-              <a:t>18/6/25</a:t>
+              <a:t>4/7/25</a:t>
             </a:fld>
             <a:endParaRPr lang="es-ES"/>
           </a:p>
@@ -1597,7 +1717,7 @@
     </p:spTree>
     <p:extLst>
       <p:ext uri="{BB962C8B-B14F-4D97-AF65-F5344CB8AC3E}">
-        <p14:creationId xmlns:p14="http://schemas.microsoft.com/office/powerpoint/2010/main" val="4007913256"/>
+        <p14:creationId xmlns:p14="http://schemas.microsoft.com/office/powerpoint/2010/main" val="1704102196"/>
       </p:ext>
     </p:extLst>
   </p:cSld>
@@ -1636,8 +1756,8 @@
         </p:nvSpPr>
         <p:spPr>
           <a:xfrm>
-            <a:off x="421534" y="460043"/>
-            <a:ext cx="5278339" cy="1670148"/>
+            <a:off x="471178" y="498330"/>
+            <a:ext cx="5899964" cy="1809148"/>
           </a:xfrm>
         </p:spPr>
         <p:txBody>
@@ -1664,8 +1784,8 @@
         </p:nvSpPr>
         <p:spPr>
           <a:xfrm>
-            <a:off x="421535" y="2118188"/>
-            <a:ext cx="2588967" cy="1038091"/>
+            <a:off x="471179" y="2294476"/>
+            <a:ext cx="2893868" cy="1124487"/>
           </a:xfrm>
         </p:spPr>
         <p:txBody>
@@ -1673,52 +1793,47 @@
           <a:lstStyle>
             <a:lvl1pPr marL="0" indent="0">
               <a:buNone/>
-              <a:defRPr sz="1606" b="1"/>
+              <a:defRPr sz="1795" b="1"/>
             </a:lvl1pPr>
-            <a:lvl2pPr marL="306004" indent="0">
-              <a:buNone/>
-              <a:defRPr sz="1339" b="1"/>
+            <a:lvl2pPr marL="342031" indent="0">
+              <a:buNone/>
+              <a:defRPr sz="1496" b="1"/>
             </a:lvl2pPr>
-            <a:lvl3pPr marL="612008" indent="0">
-              <a:buNone/>
-              <a:defRPr sz="1205" b="1"/>
+            <a:lvl3pPr marL="684063" indent="0">
+              <a:buNone/>
+              <a:defRPr sz="1347" b="1"/>
             </a:lvl3pPr>
-            <a:lvl4pPr marL="918012" indent="0">
-              <a:buNone/>
-              <a:defRPr sz="1071" b="1"/>
+            <a:lvl4pPr marL="1026094" indent="0">
+              <a:buNone/>
+              <a:defRPr sz="1197" b="1"/>
             </a:lvl4pPr>
-            <a:lvl5pPr marL="1224016" indent="0">
-              <a:buNone/>
-              <a:defRPr sz="1071" b="1"/>
+            <a:lvl5pPr marL="1368125" indent="0">
+              <a:buNone/>
+              <a:defRPr sz="1197" b="1"/>
             </a:lvl5pPr>
-            <a:lvl6pPr marL="1530020" indent="0">
-              <a:buNone/>
-              <a:defRPr sz="1071" b="1"/>
+            <a:lvl6pPr marL="1710157" indent="0">
+              <a:buNone/>
+              <a:defRPr sz="1197" b="1"/>
             </a:lvl6pPr>
-            <a:lvl7pPr marL="1836024" indent="0">
-              <a:buNone/>
-              <a:defRPr sz="1071" b="1"/>
+            <a:lvl7pPr marL="2052188" indent="0">
+              <a:buNone/>
+              <a:defRPr sz="1197" b="1"/>
             </a:lvl7pPr>
-            <a:lvl8pPr marL="2142028" indent="0">
-              <a:buNone/>
-              <a:defRPr sz="1071" b="1"/>
+            <a:lvl8pPr marL="2394219" indent="0">
+              <a:buNone/>
+              <a:defRPr sz="1197" b="1"/>
             </a:lvl8pPr>
-            <a:lvl9pPr marL="2448032" indent="0">
-              <a:buNone/>
-              <a:defRPr sz="1071" b="1"/>
+            <a:lvl9pPr marL="2736251" indent="0">
+              <a:buNone/>
+              <a:defRPr sz="1197" b="1"/>
             </a:lvl9pPr>
           </a:lstStyle>
           <a:p>
             <a:pPr lvl="0"/>
             <a:r>
               <a:rPr lang="es-ES"/>
-              <a:t>Editar los estilos de texto del patrón
-Segundo nivel
-Tercer nivel
-Cuarto nivel
-Quinto nivel</a:t>
-            </a:r>
-            <a:endParaRPr lang="en-US" dirty="0"/>
+              <a:t>Haga clic para modificar los estilos de texto del patrón</a:t>
+            </a:r>
           </a:p>
         </p:txBody>
       </p:sp>
@@ -1734,8 +1849,8 @@
         </p:nvSpPr>
         <p:spPr>
           <a:xfrm>
-            <a:off x="421535" y="3156278"/>
-            <a:ext cx="2588967" cy="4642411"/>
+            <a:off x="471179" y="3418964"/>
+            <a:ext cx="2893868" cy="5028780"/>
           </a:xfrm>
         </p:spPr>
         <p:txBody>
@@ -1745,11 +1860,35 @@
             <a:pPr lvl="0"/>
             <a:r>
               <a:rPr lang="es-ES"/>
-              <a:t>Editar los estilos de texto del patrón
-Segundo nivel
-Tercer nivel
-Cuarto nivel
-Quinto nivel</a:t>
+              <a:t>Haga clic para modificar los estilos de texto del patrón</a:t>
+            </a:r>
+          </a:p>
+          <a:p>
+            <a:pPr lvl="1"/>
+            <a:r>
+              <a:rPr lang="es-ES"/>
+              <a:t>Segundo nivel</a:t>
+            </a:r>
+          </a:p>
+          <a:p>
+            <a:pPr lvl="2"/>
+            <a:r>
+              <a:rPr lang="es-ES"/>
+              <a:t>Tercer nivel</a:t>
+            </a:r>
+          </a:p>
+          <a:p>
+            <a:pPr lvl="3"/>
+            <a:r>
+              <a:rPr lang="es-ES"/>
+              <a:t>Cuarto nivel</a:t>
+            </a:r>
+          </a:p>
+          <a:p>
+            <a:pPr lvl="4"/>
+            <a:r>
+              <a:rPr lang="es-ES"/>
+              <a:t>Quinto nivel</a:t>
             </a:r>
             <a:endParaRPr lang="en-US" dirty="0"/>
           </a:p>
@@ -1767,8 +1906,8 @@
         </p:nvSpPr>
         <p:spPr>
           <a:xfrm>
-            <a:off x="3098155" y="2118188"/>
-            <a:ext cx="2601718" cy="1038091"/>
+            <a:off x="3463023" y="2294476"/>
+            <a:ext cx="2908120" cy="1124487"/>
           </a:xfrm>
         </p:spPr>
         <p:txBody>
@@ -1776,52 +1915,47 @@
           <a:lstStyle>
             <a:lvl1pPr marL="0" indent="0">
               <a:buNone/>
-              <a:defRPr sz="1606" b="1"/>
+              <a:defRPr sz="1795" b="1"/>
             </a:lvl1pPr>
-            <a:lvl2pPr marL="306004" indent="0">
-              <a:buNone/>
-              <a:defRPr sz="1339" b="1"/>
+            <a:lvl2pPr marL="342031" indent="0">
+              <a:buNone/>
+              <a:defRPr sz="1496" b="1"/>
             </a:lvl2pPr>
-            <a:lvl3pPr marL="612008" indent="0">
-              <a:buNone/>
-              <a:defRPr sz="1205" b="1"/>
+            <a:lvl3pPr marL="684063" indent="0">
+              <a:buNone/>
+              <a:defRPr sz="1347" b="1"/>
             </a:lvl3pPr>
-            <a:lvl4pPr marL="918012" indent="0">
-              <a:buNone/>
-              <a:defRPr sz="1071" b="1"/>
+            <a:lvl4pPr marL="1026094" indent="0">
+              <a:buNone/>
+              <a:defRPr sz="1197" b="1"/>
             </a:lvl4pPr>
-            <a:lvl5pPr marL="1224016" indent="0">
-              <a:buNone/>
-              <a:defRPr sz="1071" b="1"/>
+            <a:lvl5pPr marL="1368125" indent="0">
+              <a:buNone/>
+              <a:defRPr sz="1197" b="1"/>
             </a:lvl5pPr>
-            <a:lvl6pPr marL="1530020" indent="0">
-              <a:buNone/>
-              <a:defRPr sz="1071" b="1"/>
+            <a:lvl6pPr marL="1710157" indent="0">
+              <a:buNone/>
+              <a:defRPr sz="1197" b="1"/>
             </a:lvl6pPr>
-            <a:lvl7pPr marL="1836024" indent="0">
-              <a:buNone/>
-              <a:defRPr sz="1071" b="1"/>
+            <a:lvl7pPr marL="2052188" indent="0">
+              <a:buNone/>
+              <a:defRPr sz="1197" b="1"/>
             </a:lvl7pPr>
-            <a:lvl8pPr marL="2142028" indent="0">
-              <a:buNone/>
-              <a:defRPr sz="1071" b="1"/>
+            <a:lvl8pPr marL="2394219" indent="0">
+              <a:buNone/>
+              <a:defRPr sz="1197" b="1"/>
             </a:lvl8pPr>
-            <a:lvl9pPr marL="2448032" indent="0">
-              <a:buNone/>
-              <a:defRPr sz="1071" b="1"/>
+            <a:lvl9pPr marL="2736251" indent="0">
+              <a:buNone/>
+              <a:defRPr sz="1197" b="1"/>
             </a:lvl9pPr>
           </a:lstStyle>
           <a:p>
             <a:pPr lvl="0"/>
             <a:r>
               <a:rPr lang="es-ES"/>
-              <a:t>Editar los estilos de texto del patrón
-Segundo nivel
-Tercer nivel
-Cuarto nivel
-Quinto nivel</a:t>
-            </a:r>
-            <a:endParaRPr lang="en-US" dirty="0"/>
+              <a:t>Haga clic para modificar los estilos de texto del patrón</a:t>
+            </a:r>
           </a:p>
         </p:txBody>
       </p:sp>
@@ -1837,8 +1971,8 @@
         </p:nvSpPr>
         <p:spPr>
           <a:xfrm>
-            <a:off x="3098155" y="3156278"/>
-            <a:ext cx="2601718" cy="4642411"/>
+            <a:off x="3463023" y="3418964"/>
+            <a:ext cx="2908120" cy="5028780"/>
           </a:xfrm>
         </p:spPr>
         <p:txBody>
@@ -1848,11 +1982,35 @@
             <a:pPr lvl="0"/>
             <a:r>
               <a:rPr lang="es-ES"/>
-              <a:t>Editar los estilos de texto del patrón
-Segundo nivel
-Tercer nivel
-Cuarto nivel
-Quinto nivel</a:t>
+              <a:t>Haga clic para modificar los estilos de texto del patrón</a:t>
+            </a:r>
+          </a:p>
+          <a:p>
+            <a:pPr lvl="1"/>
+            <a:r>
+              <a:rPr lang="es-ES"/>
+              <a:t>Segundo nivel</a:t>
+            </a:r>
+          </a:p>
+          <a:p>
+            <a:pPr lvl="2"/>
+            <a:r>
+              <a:rPr lang="es-ES"/>
+              <a:t>Tercer nivel</a:t>
+            </a:r>
+          </a:p>
+          <a:p>
+            <a:pPr lvl="3"/>
+            <a:r>
+              <a:rPr lang="es-ES"/>
+              <a:t>Cuarto nivel</a:t>
+            </a:r>
+          </a:p>
+          <a:p>
+            <a:pPr lvl="4"/>
+            <a:r>
+              <a:rPr lang="es-ES"/>
+              <a:t>Quinto nivel</a:t>
             </a:r>
             <a:endParaRPr lang="en-US" dirty="0"/>
           </a:p>
@@ -1875,7 +2033,7 @@
           <a:p>
             <a:fld id="{389E26BA-BD8D-8D49-924D-BD92A6C5B418}" type="datetimeFigureOut">
               <a:rPr lang="es-ES" smtClean="0"/>
-              <a:t>18/6/25</a:t>
+              <a:t>4/7/25</a:t>
             </a:fld>
             <a:endParaRPr lang="es-ES"/>
           </a:p>
@@ -1926,7 +2084,7 @@
     </p:spTree>
     <p:extLst>
       <p:ext uri="{BB962C8B-B14F-4D97-AF65-F5344CB8AC3E}">
-        <p14:creationId xmlns:p14="http://schemas.microsoft.com/office/powerpoint/2010/main" val="2411934254"/>
+        <p14:creationId xmlns:p14="http://schemas.microsoft.com/office/powerpoint/2010/main" val="630916212"/>
       </p:ext>
     </p:extLst>
   </p:cSld>
@@ -1993,7 +2151,7 @@
           <a:p>
             <a:fld id="{389E26BA-BD8D-8D49-924D-BD92A6C5B418}" type="datetimeFigureOut">
               <a:rPr lang="es-ES" smtClean="0"/>
-              <a:t>18/6/25</a:t>
+              <a:t>4/7/25</a:t>
             </a:fld>
             <a:endParaRPr lang="es-ES"/>
           </a:p>
@@ -2044,7 +2202,7 @@
     </p:spTree>
     <p:extLst>
       <p:ext uri="{BB962C8B-B14F-4D97-AF65-F5344CB8AC3E}">
-        <p14:creationId xmlns:p14="http://schemas.microsoft.com/office/powerpoint/2010/main" val="1180454657"/>
+        <p14:creationId xmlns:p14="http://schemas.microsoft.com/office/powerpoint/2010/main" val="2046804741"/>
       </p:ext>
     </p:extLst>
   </p:cSld>
@@ -2088,7 +2246,7 @@
           <a:p>
             <a:fld id="{389E26BA-BD8D-8D49-924D-BD92A6C5B418}" type="datetimeFigureOut">
               <a:rPr lang="es-ES" smtClean="0"/>
-              <a:t>18/6/25</a:t>
+              <a:t>4/7/25</a:t>
             </a:fld>
             <a:endParaRPr lang="es-ES"/>
           </a:p>
@@ -2139,7 +2297,7 @@
     </p:spTree>
     <p:extLst>
       <p:ext uri="{BB962C8B-B14F-4D97-AF65-F5344CB8AC3E}">
-        <p14:creationId xmlns:p14="http://schemas.microsoft.com/office/powerpoint/2010/main" val="1400488575"/>
+        <p14:creationId xmlns:p14="http://schemas.microsoft.com/office/powerpoint/2010/main" val="2824568349"/>
       </p:ext>
     </p:extLst>
   </p:cSld>
@@ -2178,15 +2336,15 @@
         </p:nvSpPr>
         <p:spPr>
           <a:xfrm>
-            <a:off x="421534" y="576051"/>
-            <a:ext cx="1973799" cy="2016178"/>
+            <a:off x="471178" y="623993"/>
+            <a:ext cx="2206252" cy="2183977"/>
           </a:xfrm>
         </p:spPr>
         <p:txBody>
           <a:bodyPr anchor="b"/>
           <a:lstStyle>
             <a:lvl1pPr>
-              <a:defRPr sz="2142"/>
+              <a:defRPr sz="2394"/>
             </a:lvl1pPr>
           </a:lstStyle>
           <a:p>
@@ -2210,50 +2368,74 @@
         </p:nvSpPr>
         <p:spPr>
           <a:xfrm>
-            <a:off x="2601718" y="1244112"/>
-            <a:ext cx="3098155" cy="6140542"/>
+            <a:off x="2908120" y="1347654"/>
+            <a:ext cx="3463022" cy="6651596"/>
           </a:xfrm>
         </p:spPr>
         <p:txBody>
           <a:bodyPr/>
           <a:lstStyle>
             <a:lvl1pPr>
-              <a:defRPr sz="2142"/>
+              <a:defRPr sz="2394"/>
             </a:lvl1pPr>
             <a:lvl2pPr>
-              <a:defRPr sz="1874"/>
+              <a:defRPr sz="2095"/>
             </a:lvl2pPr>
             <a:lvl3pPr>
-              <a:defRPr sz="1606"/>
+              <a:defRPr sz="1795"/>
             </a:lvl3pPr>
             <a:lvl4pPr>
-              <a:defRPr sz="1339"/>
+              <a:defRPr sz="1496"/>
             </a:lvl4pPr>
             <a:lvl5pPr>
-              <a:defRPr sz="1339"/>
+              <a:defRPr sz="1496"/>
             </a:lvl5pPr>
             <a:lvl6pPr>
-              <a:defRPr sz="1339"/>
+              <a:defRPr sz="1496"/>
             </a:lvl6pPr>
             <a:lvl7pPr>
-              <a:defRPr sz="1339"/>
+              <a:defRPr sz="1496"/>
             </a:lvl7pPr>
             <a:lvl8pPr>
-              <a:defRPr sz="1339"/>
+              <a:defRPr sz="1496"/>
             </a:lvl8pPr>
             <a:lvl9pPr>
-              <a:defRPr sz="1339"/>
+              <a:defRPr sz="1496"/>
             </a:lvl9pPr>
           </a:lstStyle>
           <a:p>
             <a:pPr lvl="0"/>
             <a:r>
               <a:rPr lang="es-ES"/>
-              <a:t>Editar los estilos de texto del patrón
-Segundo nivel
-Tercer nivel
-Cuarto nivel
-Quinto nivel</a:t>
+              <a:t>Haga clic para modificar los estilos de texto del patrón</a:t>
+            </a:r>
+          </a:p>
+          <a:p>
+            <a:pPr lvl="1"/>
+            <a:r>
+              <a:rPr lang="es-ES"/>
+              <a:t>Segundo nivel</a:t>
+            </a:r>
+          </a:p>
+          <a:p>
+            <a:pPr lvl="2"/>
+            <a:r>
+              <a:rPr lang="es-ES"/>
+              <a:t>Tercer nivel</a:t>
+            </a:r>
+          </a:p>
+          <a:p>
+            <a:pPr lvl="3"/>
+            <a:r>
+              <a:rPr lang="es-ES"/>
+              <a:t>Cuarto nivel</a:t>
+            </a:r>
+          </a:p>
+          <a:p>
+            <a:pPr lvl="4"/>
+            <a:r>
+              <a:rPr lang="es-ES"/>
+              <a:t>Quinto nivel</a:t>
             </a:r>
             <a:endParaRPr lang="en-US" dirty="0"/>
           </a:p>
@@ -2271,8 +2453,8 @@
         </p:nvSpPr>
         <p:spPr>
           <a:xfrm>
-            <a:off x="421534" y="2592229"/>
-            <a:ext cx="1973799" cy="4802425"/>
+            <a:off x="471178" y="2807970"/>
+            <a:ext cx="2206252" cy="5202112"/>
           </a:xfrm>
         </p:spPr>
         <p:txBody>
@@ -2280,52 +2462,47 @@
           <a:lstStyle>
             <a:lvl1pPr marL="0" indent="0">
               <a:buNone/>
-              <a:defRPr sz="1071"/>
+              <a:defRPr sz="1197"/>
             </a:lvl1pPr>
-            <a:lvl2pPr marL="306004" indent="0">
-              <a:buNone/>
-              <a:defRPr sz="937"/>
+            <a:lvl2pPr marL="342031" indent="0">
+              <a:buNone/>
+              <a:defRPr sz="1047"/>
             </a:lvl2pPr>
-            <a:lvl3pPr marL="612008" indent="0">
-              <a:buNone/>
-              <a:defRPr sz="803"/>
+            <a:lvl3pPr marL="684063" indent="0">
+              <a:buNone/>
+              <a:defRPr sz="898"/>
             </a:lvl3pPr>
-            <a:lvl4pPr marL="918012" indent="0">
-              <a:buNone/>
-              <a:defRPr sz="669"/>
+            <a:lvl4pPr marL="1026094" indent="0">
+              <a:buNone/>
+              <a:defRPr sz="748"/>
             </a:lvl4pPr>
-            <a:lvl5pPr marL="1224016" indent="0">
-              <a:buNone/>
-              <a:defRPr sz="669"/>
+            <a:lvl5pPr marL="1368125" indent="0">
+              <a:buNone/>
+              <a:defRPr sz="748"/>
             </a:lvl5pPr>
-            <a:lvl6pPr marL="1530020" indent="0">
-              <a:buNone/>
-              <a:defRPr sz="669"/>
+            <a:lvl6pPr marL="1710157" indent="0">
+              <a:buNone/>
+              <a:defRPr sz="748"/>
             </a:lvl6pPr>
-            <a:lvl7pPr marL="1836024" indent="0">
-              <a:buNone/>
-              <a:defRPr sz="669"/>
+            <a:lvl7pPr marL="2052188" indent="0">
+              <a:buNone/>
+              <a:defRPr sz="748"/>
             </a:lvl7pPr>
-            <a:lvl8pPr marL="2142028" indent="0">
-              <a:buNone/>
-              <a:defRPr sz="669"/>
+            <a:lvl8pPr marL="2394219" indent="0">
+              <a:buNone/>
+              <a:defRPr sz="748"/>
             </a:lvl8pPr>
-            <a:lvl9pPr marL="2448032" indent="0">
-              <a:buNone/>
-              <a:defRPr sz="669"/>
+            <a:lvl9pPr marL="2736251" indent="0">
+              <a:buNone/>
+              <a:defRPr sz="748"/>
             </a:lvl9pPr>
           </a:lstStyle>
           <a:p>
             <a:pPr lvl="0"/>
             <a:r>
               <a:rPr lang="es-ES"/>
-              <a:t>Editar los estilos de texto del patrón
-Segundo nivel
-Tercer nivel
-Cuarto nivel
-Quinto nivel</a:t>
-            </a:r>
-            <a:endParaRPr lang="en-US" dirty="0"/>
+              <a:t>Haga clic para modificar los estilos de texto del patrón</a:t>
+            </a:r>
           </a:p>
         </p:txBody>
       </p:sp>
@@ -2346,7 +2523,7 @@
           <a:p>
             <a:fld id="{389E26BA-BD8D-8D49-924D-BD92A6C5B418}" type="datetimeFigureOut">
               <a:rPr lang="es-ES" smtClean="0"/>
-              <a:t>18/6/25</a:t>
+              <a:t>4/7/25</a:t>
             </a:fld>
             <a:endParaRPr lang="es-ES"/>
           </a:p>
@@ -2397,7 +2574,7 @@
     </p:spTree>
     <p:extLst>
       <p:ext uri="{BB962C8B-B14F-4D97-AF65-F5344CB8AC3E}">
-        <p14:creationId xmlns:p14="http://schemas.microsoft.com/office/powerpoint/2010/main" val="2599716776"/>
+        <p14:creationId xmlns:p14="http://schemas.microsoft.com/office/powerpoint/2010/main" val="3812554231"/>
       </p:ext>
     </p:extLst>
   </p:cSld>
@@ -2436,15 +2613,15 @@
         </p:nvSpPr>
         <p:spPr>
           <a:xfrm>
-            <a:off x="421534" y="576051"/>
-            <a:ext cx="1973799" cy="2016178"/>
+            <a:off x="471178" y="623993"/>
+            <a:ext cx="2206252" cy="2183977"/>
           </a:xfrm>
         </p:spPr>
         <p:txBody>
           <a:bodyPr anchor="b"/>
           <a:lstStyle>
             <a:lvl1pPr>
-              <a:defRPr sz="2142"/>
+              <a:defRPr sz="2394"/>
             </a:lvl1pPr>
           </a:lstStyle>
           <a:p>
@@ -2468,8 +2645,8 @@
         </p:nvSpPr>
         <p:spPr>
           <a:xfrm>
-            <a:off x="2601718" y="1244112"/>
-            <a:ext cx="3098155" cy="6140542"/>
+            <a:off x="2908120" y="1347654"/>
+            <a:ext cx="3463022" cy="6651596"/>
           </a:xfrm>
         </p:spPr>
         <p:txBody>
@@ -2477,39 +2654,39 @@
           <a:lstStyle>
             <a:lvl1pPr marL="0" indent="0">
               <a:buNone/>
-              <a:defRPr sz="2142"/>
+              <a:defRPr sz="2394"/>
             </a:lvl1pPr>
-            <a:lvl2pPr marL="306004" indent="0">
-              <a:buNone/>
-              <a:defRPr sz="1874"/>
+            <a:lvl2pPr marL="342031" indent="0">
+              <a:buNone/>
+              <a:defRPr sz="2095"/>
             </a:lvl2pPr>
-            <a:lvl3pPr marL="612008" indent="0">
-              <a:buNone/>
-              <a:defRPr sz="1606"/>
+            <a:lvl3pPr marL="684063" indent="0">
+              <a:buNone/>
+              <a:defRPr sz="1795"/>
             </a:lvl3pPr>
-            <a:lvl4pPr marL="918012" indent="0">
-              <a:buNone/>
-              <a:defRPr sz="1339"/>
+            <a:lvl4pPr marL="1026094" indent="0">
+              <a:buNone/>
+              <a:defRPr sz="1496"/>
             </a:lvl4pPr>
-            <a:lvl5pPr marL="1224016" indent="0">
-              <a:buNone/>
-              <a:defRPr sz="1339"/>
+            <a:lvl5pPr marL="1368125" indent="0">
+              <a:buNone/>
+              <a:defRPr sz="1496"/>
             </a:lvl5pPr>
-            <a:lvl6pPr marL="1530020" indent="0">
-              <a:buNone/>
-              <a:defRPr sz="1339"/>
+            <a:lvl6pPr marL="1710157" indent="0">
+              <a:buNone/>
+              <a:defRPr sz="1496"/>
             </a:lvl6pPr>
-            <a:lvl7pPr marL="1836024" indent="0">
-              <a:buNone/>
-              <a:defRPr sz="1339"/>
+            <a:lvl7pPr marL="2052188" indent="0">
+              <a:buNone/>
+              <a:defRPr sz="1496"/>
             </a:lvl7pPr>
-            <a:lvl8pPr marL="2142028" indent="0">
-              <a:buNone/>
-              <a:defRPr sz="1339"/>
+            <a:lvl8pPr marL="2394219" indent="0">
+              <a:buNone/>
+              <a:defRPr sz="1496"/>
             </a:lvl8pPr>
-            <a:lvl9pPr marL="2448032" indent="0">
-              <a:buNone/>
-              <a:defRPr sz="1339"/>
+            <a:lvl9pPr marL="2736251" indent="0">
+              <a:buNone/>
+              <a:defRPr sz="1496"/>
             </a:lvl9pPr>
           </a:lstStyle>
           <a:p>
@@ -2533,8 +2710,8 @@
         </p:nvSpPr>
         <p:spPr>
           <a:xfrm>
-            <a:off x="421534" y="2592229"/>
-            <a:ext cx="1973799" cy="4802425"/>
+            <a:off x="471178" y="2807970"/>
+            <a:ext cx="2206252" cy="5202112"/>
           </a:xfrm>
         </p:spPr>
         <p:txBody>
@@ -2542,52 +2719,47 @@
           <a:lstStyle>
             <a:lvl1pPr marL="0" indent="0">
               <a:buNone/>
-              <a:defRPr sz="1071"/>
+              <a:defRPr sz="1197"/>
             </a:lvl1pPr>
-            <a:lvl2pPr marL="306004" indent="0">
-              <a:buNone/>
-              <a:defRPr sz="937"/>
+            <a:lvl2pPr marL="342031" indent="0">
+              <a:buNone/>
+              <a:defRPr sz="1047"/>
             </a:lvl2pPr>
-            <a:lvl3pPr marL="612008" indent="0">
-              <a:buNone/>
-              <a:defRPr sz="803"/>
+            <a:lvl3pPr marL="684063" indent="0">
+              <a:buNone/>
+              <a:defRPr sz="898"/>
             </a:lvl3pPr>
-            <a:lvl4pPr marL="918012" indent="0">
-              <a:buNone/>
-              <a:defRPr sz="669"/>
+            <a:lvl4pPr marL="1026094" indent="0">
+              <a:buNone/>
+              <a:defRPr sz="748"/>
             </a:lvl4pPr>
-            <a:lvl5pPr marL="1224016" indent="0">
-              <a:buNone/>
-              <a:defRPr sz="669"/>
+            <a:lvl5pPr marL="1368125" indent="0">
+              <a:buNone/>
+              <a:defRPr sz="748"/>
             </a:lvl5pPr>
-            <a:lvl6pPr marL="1530020" indent="0">
-              <a:buNone/>
-              <a:defRPr sz="669"/>
+            <a:lvl6pPr marL="1710157" indent="0">
+              <a:buNone/>
+              <a:defRPr sz="748"/>
             </a:lvl6pPr>
-            <a:lvl7pPr marL="1836024" indent="0">
-              <a:buNone/>
-              <a:defRPr sz="669"/>
+            <a:lvl7pPr marL="2052188" indent="0">
+              <a:buNone/>
+              <a:defRPr sz="748"/>
             </a:lvl7pPr>
-            <a:lvl8pPr marL="2142028" indent="0">
-              <a:buNone/>
-              <a:defRPr sz="669"/>
+            <a:lvl8pPr marL="2394219" indent="0">
+              <a:buNone/>
+              <a:defRPr sz="748"/>
             </a:lvl8pPr>
-            <a:lvl9pPr marL="2448032" indent="0">
-              <a:buNone/>
-              <a:defRPr sz="669"/>
+            <a:lvl9pPr marL="2736251" indent="0">
+              <a:buNone/>
+              <a:defRPr sz="748"/>
             </a:lvl9pPr>
           </a:lstStyle>
           <a:p>
             <a:pPr lvl="0"/>
             <a:r>
               <a:rPr lang="es-ES"/>
-              <a:t>Editar los estilos de texto del patrón
-Segundo nivel
-Tercer nivel
-Cuarto nivel
-Quinto nivel</a:t>
-            </a:r>
-            <a:endParaRPr lang="en-US" dirty="0"/>
+              <a:t>Haga clic para modificar los estilos de texto del patrón</a:t>
+            </a:r>
           </a:p>
         </p:txBody>
       </p:sp>
@@ -2608,7 +2780,7 @@
           <a:p>
             <a:fld id="{389E26BA-BD8D-8D49-924D-BD92A6C5B418}" type="datetimeFigureOut">
               <a:rPr lang="es-ES" smtClean="0"/>
-              <a:t>18/6/25</a:t>
+              <a:t>4/7/25</a:t>
             </a:fld>
             <a:endParaRPr lang="es-ES"/>
           </a:p>
@@ -2659,7 +2831,7 @@
     </p:spTree>
     <p:extLst>
       <p:ext uri="{BB962C8B-B14F-4D97-AF65-F5344CB8AC3E}">
-        <p14:creationId xmlns:p14="http://schemas.microsoft.com/office/powerpoint/2010/main" val="992436695"/>
+        <p14:creationId xmlns:p14="http://schemas.microsoft.com/office/powerpoint/2010/main" val="872387234"/>
       </p:ext>
     </p:extLst>
   </p:cSld>
@@ -2703,8 +2875,8 @@
         </p:nvSpPr>
         <p:spPr>
           <a:xfrm>
-            <a:off x="420737" y="460043"/>
-            <a:ext cx="5278339" cy="1670148"/>
+            <a:off x="470287" y="498330"/>
+            <a:ext cx="5899964" cy="1809148"/>
           </a:xfrm>
           <a:prstGeom prst="rect">
             <a:avLst/>
@@ -2736,8 +2908,8 @@
         </p:nvSpPr>
         <p:spPr>
           <a:xfrm>
-            <a:off x="420737" y="2300203"/>
-            <a:ext cx="5278339" cy="5482485"/>
+            <a:off x="470287" y="2491640"/>
+            <a:ext cx="5899964" cy="5938771"/>
           </a:xfrm>
           <a:prstGeom prst="rect">
             <a:avLst/>
@@ -2752,11 +2924,35 @@
             <a:pPr lvl="0"/>
             <a:r>
               <a:rPr lang="es-ES"/>
-              <a:t>Editar los estilos de texto del patrón
-Segundo nivel
-Tercer nivel
-Cuarto nivel
-Quinto nivel</a:t>
+              <a:t>Haga clic para modificar los estilos de texto del patrón</a:t>
+            </a:r>
+          </a:p>
+          <a:p>
+            <a:pPr lvl="1"/>
+            <a:r>
+              <a:rPr lang="es-ES"/>
+              <a:t>Segundo nivel</a:t>
+            </a:r>
+          </a:p>
+          <a:p>
+            <a:pPr lvl="2"/>
+            <a:r>
+              <a:rPr lang="es-ES"/>
+              <a:t>Tercer nivel</a:t>
+            </a:r>
+          </a:p>
+          <a:p>
+            <a:pPr lvl="3"/>
+            <a:r>
+              <a:rPr lang="es-ES"/>
+              <a:t>Cuarto nivel</a:t>
+            </a:r>
+          </a:p>
+          <a:p>
+            <a:pPr lvl="4"/>
+            <a:r>
+              <a:rPr lang="es-ES"/>
+              <a:t>Quinto nivel</a:t>
             </a:r>
             <a:endParaRPr lang="en-US" dirty="0"/>
           </a:p>
@@ -2774,8 +2970,8 @@
         </p:nvSpPr>
         <p:spPr>
           <a:xfrm>
-            <a:off x="420737" y="8008709"/>
-            <a:ext cx="1376958" cy="460041"/>
+            <a:off x="470287" y="8675243"/>
+            <a:ext cx="1539121" cy="498328"/>
           </a:xfrm>
           <a:prstGeom prst="rect">
             <a:avLst/>
@@ -2785,7 +2981,7 @@
           <a:bodyPr vert="horz" lIns="91440" tIns="45720" rIns="91440" bIns="45720" rtlCol="0" anchor="ctr"/>
           <a:lstStyle>
             <a:lvl1pPr algn="l">
-              <a:defRPr sz="803">
+              <a:defRPr sz="898">
                 <a:solidFill>
                   <a:schemeClr val="tx1">
                     <a:tint val="75000"/>
@@ -2797,7 +2993,7 @@
           <a:p>
             <a:fld id="{389E26BA-BD8D-8D49-924D-BD92A6C5B418}" type="datetimeFigureOut">
               <a:rPr lang="es-ES" smtClean="0"/>
-              <a:t>18/6/25</a:t>
+              <a:t>4/7/25</a:t>
             </a:fld>
             <a:endParaRPr lang="es-ES"/>
           </a:p>
@@ -2815,8 +3011,8 @@
         </p:nvSpPr>
         <p:spPr>
           <a:xfrm>
-            <a:off x="2027188" y="8008709"/>
-            <a:ext cx="2065437" cy="460041"/>
+            <a:off x="2265928" y="8675243"/>
+            <a:ext cx="2308682" cy="498328"/>
           </a:xfrm>
           <a:prstGeom prst="rect">
             <a:avLst/>
@@ -2826,7 +3022,7 @@
           <a:bodyPr vert="horz" lIns="91440" tIns="45720" rIns="91440" bIns="45720" rtlCol="0" anchor="ctr"/>
           <a:lstStyle>
             <a:lvl1pPr algn="ctr">
-              <a:defRPr sz="803">
+              <a:defRPr sz="898">
                 <a:solidFill>
                   <a:schemeClr val="tx1">
                     <a:tint val="75000"/>
@@ -2852,8 +3048,8 @@
         </p:nvSpPr>
         <p:spPr>
           <a:xfrm>
-            <a:off x="4322118" y="8008709"/>
-            <a:ext cx="1376958" cy="460041"/>
+            <a:off x="4831130" y="8675243"/>
+            <a:ext cx="1539121" cy="498328"/>
           </a:xfrm>
           <a:prstGeom prst="rect">
             <a:avLst/>
@@ -2863,7 +3059,7 @@
           <a:bodyPr vert="horz" lIns="91440" tIns="45720" rIns="91440" bIns="45720" rtlCol="0" anchor="ctr"/>
           <a:lstStyle>
             <a:lvl1pPr algn="r">
-              <a:defRPr sz="803">
+              <a:defRPr sz="898">
                 <a:solidFill>
                   <a:schemeClr val="tx1">
                     <a:tint val="75000"/>
@@ -2884,27 +3080,27 @@
     </p:spTree>
     <p:extLst>
       <p:ext uri="{BB962C8B-B14F-4D97-AF65-F5344CB8AC3E}">
-        <p14:creationId xmlns:p14="http://schemas.microsoft.com/office/powerpoint/2010/main" val="64288269"/>
+        <p14:creationId xmlns:p14="http://schemas.microsoft.com/office/powerpoint/2010/main" val="2777042793"/>
       </p:ext>
     </p:extLst>
   </p:cSld>
   <p:clrMap bg1="lt1" tx1="dk1" bg2="lt2" tx2="dk2" accent1="accent1" accent2="accent2" accent3="accent3" accent4="accent4" accent5="accent5" accent6="accent6" hlink="hlink" folHlink="folHlink"/>
   <p:sldLayoutIdLst>
-    <p:sldLayoutId id="2147483673" r:id="rId1"/>
-    <p:sldLayoutId id="2147483674" r:id="rId2"/>
-    <p:sldLayoutId id="2147483675" r:id="rId3"/>
-    <p:sldLayoutId id="2147483676" r:id="rId4"/>
-    <p:sldLayoutId id="2147483677" r:id="rId5"/>
-    <p:sldLayoutId id="2147483678" r:id="rId6"/>
-    <p:sldLayoutId id="2147483679" r:id="rId7"/>
-    <p:sldLayoutId id="2147483680" r:id="rId8"/>
-    <p:sldLayoutId id="2147483681" r:id="rId9"/>
-    <p:sldLayoutId id="2147483682" r:id="rId10"/>
-    <p:sldLayoutId id="2147483683" r:id="rId11"/>
+    <p:sldLayoutId id="2147483685" r:id="rId1"/>
+    <p:sldLayoutId id="2147483686" r:id="rId2"/>
+    <p:sldLayoutId id="2147483687" r:id="rId3"/>
+    <p:sldLayoutId id="2147483688" r:id="rId4"/>
+    <p:sldLayoutId id="2147483689" r:id="rId5"/>
+    <p:sldLayoutId id="2147483690" r:id="rId6"/>
+    <p:sldLayoutId id="2147483691" r:id="rId7"/>
+    <p:sldLayoutId id="2147483692" r:id="rId8"/>
+    <p:sldLayoutId id="2147483693" r:id="rId9"/>
+    <p:sldLayoutId id="2147483694" r:id="rId10"/>
+    <p:sldLayoutId id="2147483695" r:id="rId11"/>
   </p:sldLayoutIdLst>
   <p:txStyles>
     <p:titleStyle>
-      <a:lvl1pPr algn="l" defTabSz="612008" rtl="0" eaLnBrk="1" latinLnBrk="0" hangingPunct="1">
+      <a:lvl1pPr algn="l" defTabSz="684063" rtl="0" eaLnBrk="1" latinLnBrk="0" hangingPunct="1">
         <a:lnSpc>
           <a:spcPct val="90000"/>
         </a:lnSpc>
@@ -2912,7 +3108,7 @@
           <a:spcPct val="0"/>
         </a:spcBef>
         <a:buNone/>
-        <a:defRPr sz="2945" kern="1200">
+        <a:defRPr sz="3292" kern="1200">
           <a:solidFill>
             <a:schemeClr val="tx1"/>
           </a:solidFill>
@@ -2923,16 +3119,16 @@
       </a:lvl1pPr>
     </p:titleStyle>
     <p:bodyStyle>
-      <a:lvl1pPr marL="153002" indent="-153002" algn="l" defTabSz="612008" rtl="0" eaLnBrk="1" latinLnBrk="0" hangingPunct="1">
+      <a:lvl1pPr marL="171016" indent="-171016" algn="l" defTabSz="684063" rtl="0" eaLnBrk="1" latinLnBrk="0" hangingPunct="1">
         <a:lnSpc>
           <a:spcPct val="90000"/>
         </a:lnSpc>
         <a:spcBef>
-          <a:spcPts val="669"/>
+          <a:spcPts val="748"/>
         </a:spcBef>
         <a:buFont typeface="Arial" panose="020B0604020202020204" pitchFamily="34" charset="0"/>
         <a:buChar char="•"/>
-        <a:defRPr sz="1874" kern="1200">
+        <a:defRPr sz="2095" kern="1200">
           <a:solidFill>
             <a:schemeClr val="tx1"/>
           </a:solidFill>
@@ -2941,16 +3137,16 @@
           <a:cs typeface="+mn-cs"/>
         </a:defRPr>
       </a:lvl1pPr>
-      <a:lvl2pPr marL="459006" indent="-153002" algn="l" defTabSz="612008" rtl="0" eaLnBrk="1" latinLnBrk="0" hangingPunct="1">
+      <a:lvl2pPr marL="513047" indent="-171016" algn="l" defTabSz="684063" rtl="0" eaLnBrk="1" latinLnBrk="0" hangingPunct="1">
         <a:lnSpc>
           <a:spcPct val="90000"/>
         </a:lnSpc>
         <a:spcBef>
-          <a:spcPts val="335"/>
+          <a:spcPts val="374"/>
         </a:spcBef>
         <a:buFont typeface="Arial" panose="020B0604020202020204" pitchFamily="34" charset="0"/>
         <a:buChar char="•"/>
-        <a:defRPr sz="1606" kern="1200">
+        <a:defRPr sz="1795" kern="1200">
           <a:solidFill>
             <a:schemeClr val="tx1"/>
           </a:solidFill>
@@ -2959,16 +3155,16 @@
           <a:cs typeface="+mn-cs"/>
         </a:defRPr>
       </a:lvl2pPr>
-      <a:lvl3pPr marL="765010" indent="-153002" algn="l" defTabSz="612008" rtl="0" eaLnBrk="1" latinLnBrk="0" hangingPunct="1">
+      <a:lvl3pPr marL="855078" indent="-171016" algn="l" defTabSz="684063" rtl="0" eaLnBrk="1" latinLnBrk="0" hangingPunct="1">
         <a:lnSpc>
           <a:spcPct val="90000"/>
         </a:lnSpc>
         <a:spcBef>
-          <a:spcPts val="335"/>
+          <a:spcPts val="374"/>
         </a:spcBef>
         <a:buFont typeface="Arial" panose="020B0604020202020204" pitchFamily="34" charset="0"/>
         <a:buChar char="•"/>
-        <a:defRPr sz="1339" kern="1200">
+        <a:defRPr sz="1496" kern="1200">
           <a:solidFill>
             <a:schemeClr val="tx1"/>
           </a:solidFill>
@@ -2977,16 +3173,16 @@
           <a:cs typeface="+mn-cs"/>
         </a:defRPr>
       </a:lvl3pPr>
-      <a:lvl4pPr marL="1071014" indent="-153002" algn="l" defTabSz="612008" rtl="0" eaLnBrk="1" latinLnBrk="0" hangingPunct="1">
+      <a:lvl4pPr marL="1197110" indent="-171016" algn="l" defTabSz="684063" rtl="0" eaLnBrk="1" latinLnBrk="0" hangingPunct="1">
         <a:lnSpc>
           <a:spcPct val="90000"/>
         </a:lnSpc>
         <a:spcBef>
-          <a:spcPts val="335"/>
+          <a:spcPts val="374"/>
         </a:spcBef>
         <a:buFont typeface="Arial" panose="020B0604020202020204" pitchFamily="34" charset="0"/>
         <a:buChar char="•"/>
-        <a:defRPr sz="1205" kern="1200">
+        <a:defRPr sz="1347" kern="1200">
           <a:solidFill>
             <a:schemeClr val="tx1"/>
           </a:solidFill>
@@ -2995,16 +3191,16 @@
           <a:cs typeface="+mn-cs"/>
         </a:defRPr>
       </a:lvl4pPr>
-      <a:lvl5pPr marL="1377018" indent="-153002" algn="l" defTabSz="612008" rtl="0" eaLnBrk="1" latinLnBrk="0" hangingPunct="1">
+      <a:lvl5pPr marL="1539141" indent="-171016" algn="l" defTabSz="684063" rtl="0" eaLnBrk="1" latinLnBrk="0" hangingPunct="1">
         <a:lnSpc>
           <a:spcPct val="90000"/>
         </a:lnSpc>
         <a:spcBef>
-          <a:spcPts val="335"/>
+          <a:spcPts val="374"/>
         </a:spcBef>
         <a:buFont typeface="Arial" panose="020B0604020202020204" pitchFamily="34" charset="0"/>
         <a:buChar char="•"/>
-        <a:defRPr sz="1205" kern="1200">
+        <a:defRPr sz="1347" kern="1200">
           <a:solidFill>
             <a:schemeClr val="tx1"/>
           </a:solidFill>
@@ -3013,16 +3209,16 @@
           <a:cs typeface="+mn-cs"/>
         </a:defRPr>
       </a:lvl5pPr>
-      <a:lvl6pPr marL="1683022" indent="-153002" algn="l" defTabSz="612008" rtl="0" eaLnBrk="1" latinLnBrk="0" hangingPunct="1">
+      <a:lvl6pPr marL="1881172" indent="-171016" algn="l" defTabSz="684063" rtl="0" eaLnBrk="1" latinLnBrk="0" hangingPunct="1">
         <a:lnSpc>
           <a:spcPct val="90000"/>
         </a:lnSpc>
         <a:spcBef>
-          <a:spcPts val="335"/>
+          <a:spcPts val="374"/>
         </a:spcBef>
         <a:buFont typeface="Arial" panose="020B0604020202020204" pitchFamily="34" charset="0"/>
         <a:buChar char="•"/>
-        <a:defRPr sz="1205" kern="1200">
+        <a:defRPr sz="1347" kern="1200">
           <a:solidFill>
             <a:schemeClr val="tx1"/>
           </a:solidFill>
@@ -3031,16 +3227,16 @@
           <a:cs typeface="+mn-cs"/>
         </a:defRPr>
       </a:lvl6pPr>
-      <a:lvl7pPr marL="1989026" indent="-153002" algn="l" defTabSz="612008" rtl="0" eaLnBrk="1" latinLnBrk="0" hangingPunct="1">
+      <a:lvl7pPr marL="2223204" indent="-171016" algn="l" defTabSz="684063" rtl="0" eaLnBrk="1" latinLnBrk="0" hangingPunct="1">
         <a:lnSpc>
           <a:spcPct val="90000"/>
         </a:lnSpc>
         <a:spcBef>
-          <a:spcPts val="335"/>
+          <a:spcPts val="374"/>
         </a:spcBef>
         <a:buFont typeface="Arial" panose="020B0604020202020204" pitchFamily="34" charset="0"/>
         <a:buChar char="•"/>
-        <a:defRPr sz="1205" kern="1200">
+        <a:defRPr sz="1347" kern="1200">
           <a:solidFill>
             <a:schemeClr val="tx1"/>
           </a:solidFill>
@@ -3049,16 +3245,16 @@
           <a:cs typeface="+mn-cs"/>
         </a:defRPr>
       </a:lvl7pPr>
-      <a:lvl8pPr marL="2295030" indent="-153002" algn="l" defTabSz="612008" rtl="0" eaLnBrk="1" latinLnBrk="0" hangingPunct="1">
+      <a:lvl8pPr marL="2565235" indent="-171016" algn="l" defTabSz="684063" rtl="0" eaLnBrk="1" latinLnBrk="0" hangingPunct="1">
         <a:lnSpc>
           <a:spcPct val="90000"/>
         </a:lnSpc>
         <a:spcBef>
-          <a:spcPts val="335"/>
+          <a:spcPts val="374"/>
         </a:spcBef>
         <a:buFont typeface="Arial" panose="020B0604020202020204" pitchFamily="34" charset="0"/>
         <a:buChar char="•"/>
-        <a:defRPr sz="1205" kern="1200">
+        <a:defRPr sz="1347" kern="1200">
           <a:solidFill>
             <a:schemeClr val="tx1"/>
           </a:solidFill>
@@ -3067,16 +3263,16 @@
           <a:cs typeface="+mn-cs"/>
         </a:defRPr>
       </a:lvl8pPr>
-      <a:lvl9pPr marL="2601034" indent="-153002" algn="l" defTabSz="612008" rtl="0" eaLnBrk="1" latinLnBrk="0" hangingPunct="1">
+      <a:lvl9pPr marL="2907266" indent="-171016" algn="l" defTabSz="684063" rtl="0" eaLnBrk="1" latinLnBrk="0" hangingPunct="1">
         <a:lnSpc>
           <a:spcPct val="90000"/>
         </a:lnSpc>
         <a:spcBef>
-          <a:spcPts val="335"/>
+          <a:spcPts val="374"/>
         </a:spcBef>
         <a:buFont typeface="Arial" panose="020B0604020202020204" pitchFamily="34" charset="0"/>
         <a:buChar char="•"/>
-        <a:defRPr sz="1205" kern="1200">
+        <a:defRPr sz="1347" kern="1200">
           <a:solidFill>
             <a:schemeClr val="tx1"/>
           </a:solidFill>
@@ -3090,8 +3286,8 @@
       <a:defPPr>
         <a:defRPr lang="en-US"/>
       </a:defPPr>
-      <a:lvl1pPr marL="0" algn="l" defTabSz="612008" rtl="0" eaLnBrk="1" latinLnBrk="0" hangingPunct="1">
-        <a:defRPr sz="1205" kern="1200">
+      <a:lvl1pPr marL="0" algn="l" defTabSz="684063" rtl="0" eaLnBrk="1" latinLnBrk="0" hangingPunct="1">
+        <a:defRPr sz="1347" kern="1200">
           <a:solidFill>
             <a:schemeClr val="tx1"/>
           </a:solidFill>
@@ -3100,8 +3296,8 @@
           <a:cs typeface="+mn-cs"/>
         </a:defRPr>
       </a:lvl1pPr>
-      <a:lvl2pPr marL="306004" algn="l" defTabSz="612008" rtl="0" eaLnBrk="1" latinLnBrk="0" hangingPunct="1">
-        <a:defRPr sz="1205" kern="1200">
+      <a:lvl2pPr marL="342031" algn="l" defTabSz="684063" rtl="0" eaLnBrk="1" latinLnBrk="0" hangingPunct="1">
+        <a:defRPr sz="1347" kern="1200">
           <a:solidFill>
             <a:schemeClr val="tx1"/>
           </a:solidFill>
@@ -3110,8 +3306,8 @@
           <a:cs typeface="+mn-cs"/>
         </a:defRPr>
       </a:lvl2pPr>
-      <a:lvl3pPr marL="612008" algn="l" defTabSz="612008" rtl="0" eaLnBrk="1" latinLnBrk="0" hangingPunct="1">
-        <a:defRPr sz="1205" kern="1200">
+      <a:lvl3pPr marL="684063" algn="l" defTabSz="684063" rtl="0" eaLnBrk="1" latinLnBrk="0" hangingPunct="1">
+        <a:defRPr sz="1347" kern="1200">
           <a:solidFill>
             <a:schemeClr val="tx1"/>
           </a:solidFill>
@@ -3120,8 +3316,8 @@
           <a:cs typeface="+mn-cs"/>
         </a:defRPr>
       </a:lvl3pPr>
-      <a:lvl4pPr marL="918012" algn="l" defTabSz="612008" rtl="0" eaLnBrk="1" latinLnBrk="0" hangingPunct="1">
-        <a:defRPr sz="1205" kern="1200">
+      <a:lvl4pPr marL="1026094" algn="l" defTabSz="684063" rtl="0" eaLnBrk="1" latinLnBrk="0" hangingPunct="1">
+        <a:defRPr sz="1347" kern="1200">
           <a:solidFill>
             <a:schemeClr val="tx1"/>
           </a:solidFill>
@@ -3130,8 +3326,8 @@
           <a:cs typeface="+mn-cs"/>
         </a:defRPr>
       </a:lvl4pPr>
-      <a:lvl5pPr marL="1224016" algn="l" defTabSz="612008" rtl="0" eaLnBrk="1" latinLnBrk="0" hangingPunct="1">
-        <a:defRPr sz="1205" kern="1200">
+      <a:lvl5pPr marL="1368125" algn="l" defTabSz="684063" rtl="0" eaLnBrk="1" latinLnBrk="0" hangingPunct="1">
+        <a:defRPr sz="1347" kern="1200">
           <a:solidFill>
             <a:schemeClr val="tx1"/>
           </a:solidFill>
@@ -3140,8 +3336,8 @@
           <a:cs typeface="+mn-cs"/>
         </a:defRPr>
       </a:lvl5pPr>
-      <a:lvl6pPr marL="1530020" algn="l" defTabSz="612008" rtl="0" eaLnBrk="1" latinLnBrk="0" hangingPunct="1">
-        <a:defRPr sz="1205" kern="1200">
+      <a:lvl6pPr marL="1710157" algn="l" defTabSz="684063" rtl="0" eaLnBrk="1" latinLnBrk="0" hangingPunct="1">
+        <a:defRPr sz="1347" kern="1200">
           <a:solidFill>
             <a:schemeClr val="tx1"/>
           </a:solidFill>
@@ -3150,8 +3346,8 @@
           <a:cs typeface="+mn-cs"/>
         </a:defRPr>
       </a:lvl6pPr>
-      <a:lvl7pPr marL="1836024" algn="l" defTabSz="612008" rtl="0" eaLnBrk="1" latinLnBrk="0" hangingPunct="1">
-        <a:defRPr sz="1205" kern="1200">
+      <a:lvl7pPr marL="2052188" algn="l" defTabSz="684063" rtl="0" eaLnBrk="1" latinLnBrk="0" hangingPunct="1">
+        <a:defRPr sz="1347" kern="1200">
           <a:solidFill>
             <a:schemeClr val="tx1"/>
           </a:solidFill>
@@ -3160,8 +3356,8 @@
           <a:cs typeface="+mn-cs"/>
         </a:defRPr>
       </a:lvl7pPr>
-      <a:lvl8pPr marL="2142028" algn="l" defTabSz="612008" rtl="0" eaLnBrk="1" latinLnBrk="0" hangingPunct="1">
-        <a:defRPr sz="1205" kern="1200">
+      <a:lvl8pPr marL="2394219" algn="l" defTabSz="684063" rtl="0" eaLnBrk="1" latinLnBrk="0" hangingPunct="1">
+        <a:defRPr sz="1347" kern="1200">
           <a:solidFill>
             <a:schemeClr val="tx1"/>
           </a:solidFill>
@@ -3170,8 +3366,8 @@
           <a:cs typeface="+mn-cs"/>
         </a:defRPr>
       </a:lvl8pPr>
-      <a:lvl9pPr marL="2448032" algn="l" defTabSz="612008" rtl="0" eaLnBrk="1" latinLnBrk="0" hangingPunct="1">
-        <a:defRPr sz="1205" kern="1200">
+      <a:lvl9pPr marL="2736251" algn="l" defTabSz="684063" rtl="0" eaLnBrk="1" latinLnBrk="0" hangingPunct="1">
+        <a:defRPr sz="1347" kern="1200">
           <a:solidFill>
             <a:schemeClr val="tx1"/>
           </a:solidFill>
@@ -3212,10 +3408,10 @@
       </p:grpSpPr>
       <p:sp>
         <p:nvSpPr>
-          <p:cNvPr id="26" name="CuadroTexto 25">
+          <p:cNvPr id="5" name="CuadroTexto 4">
             <a:extLst>
               <a:ext uri="{FF2B5EF4-FFF2-40B4-BE49-F238E27FC236}">
-                <a16:creationId xmlns:a16="http://schemas.microsoft.com/office/drawing/2014/main" id="{098C6968-2BE4-BA4B-A643-85D3DF7BAA48}"/>
+                <a16:creationId xmlns:a16="http://schemas.microsoft.com/office/drawing/2014/main" id="{FD6F0EED-42DA-3A39-B664-68BD958D6E08}"/>
               </a:ext>
             </a:extLst>
           </p:cNvPr>
@@ -3224,8 +3420,8 @@
         </p:nvSpPr>
         <p:spPr>
           <a:xfrm>
-            <a:off x="-23151" y="11844"/>
-            <a:ext cx="6215606" cy="8833187"/>
+            <a:off x="0" y="41185"/>
+            <a:ext cx="6840538" cy="9571851"/>
           </a:xfrm>
           <a:prstGeom prst="rect">
             <a:avLst/>
@@ -3246,17 +3442,17 @@
                 <a:latin typeface="Consolas" panose="020B0609020204030204" pitchFamily="49" charset="0"/>
                 <a:cs typeface="Consolas" panose="020B0609020204030204" pitchFamily="49" charset="0"/>
               </a:rPr>
-              <a:t>0x44696420796f75207265616c6c792065787065637420612068696464656e206d65737361676520686572653f207c2044696420796f75207265616c6c792065787065637420612068696464656e206d65737361676520686572653f207c2044696420796f75207265616c6c792065787065637420612068696464656e206d65737361676520686572653f207c2044696420796f75207265616c6c792065787065637420612068696464656e206d65737361676520686572653f207c2044696420796f75207265616c6c792065787065637420612068696464656e206d65737361676520686572653f207c2044696420796f75207265616c6c792065787065637420612068696464656e206d65737361676520686572653f207c2044696420796f75207265616c6c792065787065637420612068696464656e206d65737361676520686572653f207c2044696420796f75207265616c6c792065787065637420612068696464656e206d65737361676520686572653f207c2044696420796f75207265616c6c792065787065637420612068696464656e206d65737361676520686572653f207c2044696420796f75207265616c6c792065787065637420612068696464656e206d65737361676520686572653f207c2044696420796f75207265616c6c792065787065637420612068696464656e206d65737361676520686572653f207c2044696420796f75207265616c6c792065787065637420612068696464656e206d65737361676520686572653f207c2044696420796f75207265616c6c792065787065637420612068696464656e206d65737361676520686572653f207c2044696420796f75207265616c6c792065787065637420612068696464656e206d65737361676520686572653f207c2044696420796f75207265616c6c792065787065637420612068696464656e206d65737361676520686572653f207c2044696420796f75207265616c6c792065787065637420612068696464656e206d65737361676520686572653f207c2044696420796f75207265616c6c792065787065637420612068696464656e206d65737361676520686572653f207c2044696420796f75207265616c6c792065787065637420612068696464656e206d65737361676520686572653f207c2044696420796f75207265616c6c792065787065637420612068696464656e206d65737361676520686572653f207c2044696420796f75207265616c6c792065787065637420612068696464656e206d65737361676520686572653f207c2044696420796f75207265616c6c792065787065637420612068696464656e206d65737361676520686572653f207c2044696420796f75207265616c6c792065787065637420612068696464656e206d65737361676520686572653f207c2044696420796f75207265616c6c792065787065637420612068696464656e206d65737361676520686572653f207c2044696420796f75207265616c6c792065787065637420612068696464656e206d65737361676520686572653f207c2044696420796f75207265616c6c792065787065637420612068696464656e206d65737361676520686572653f207c2044696420796f75207265616c6c792065787065637420612068696464656e206d65737361676520686572653f207c2044696420796f75207265616c6c792065787065637420612068696464656e206d65737361676520686572653f207c2044696420796f75207265616c6c792065787065637420612068696464656e206d65737361676520686572653f207c2044696420796f75207265616c6c792065787065637420612068696464656e206d65737361676520686572653f207c2044696420796f75207265616c6c792065787065637420612068696464656e206d65737361676520686572653f207c2044696420796f75207265616c6c792065787065637420612068696464656e206d65737361676520686572653f207c2044696420796f75207265616c6c792065787065637420612068696464656e206d65737361676520686572653f207c2044696420796f75207265616c6c792065787065637420612068696464656e206d65737361676520686572653f207c2044696420796f75207265616c6c792065787065637420612068696464656e206d65737361676520686572653f207c2044696420796f75207265616c6c792065787065637420612068696464656e206d65737361676520686572653f207c2044696420796f75207265616c6c792065787065637420612068696464656e206d65737361676520686572653f207c2044696420796f75207265616c6c792065787065637420612068696464656e206d65737361676520686572653f207c2044696420796f75207265616c6c792065787065637420612068696464656e206d65737361676520686572653f207c2044696420796f75207265616c6c792065787065637420612068696464656e206d65737361676520686572653f207c2044696420796f75207265616c6c792065787065637420612068696464656e206d65737361676520686572653f207c2044696420796f75207265616c6c792065787065637420612068696464656e206d65737361676520686572653f207c2044696420796f75207265616c6c792065787065637420612068696464656e206d65737361676520686572653f207c2044696420796f75207265616c6c792065787065637420612068696464656e206d65737361676520686572653f207c2044696420796f75207265616c6c792065787065637420612068696464656e206d65737361676520686572653f207c2044696420796f75207265616c6c792065787065637420612068696464656e206d65737361676520686572653f207c2044696420796f75207265616c6c792065787065637420612068696464656e206d65737361676520686572653f207c2044696420796f75207265616c6c792065787065637420612068696464656e206d65737361676520686572653f207c2044696420796f75207265616c6c792065787065637420612068696464656e206d65737361676520686572653f207c2044696420796f75207265616c6c792065787065637420612068696464656e206d65737361676520686572653f207c2044696420796f75207265616c6c792065787065637420612068696464656e206d65737361676520686572653f207c2044696420796f75207265616c6c792065787065637420612068696464656e206d65737361676520686572653f207c2044696420796f75207265616c6c792065787065637420612068696464656e206d65737361676520686572653f207c2044696420796f75207265616c6c792065787065637420612068696464656e206d65737361676520686572653f207c2044696420796f75207265616c6c792065787065637420612068696464656e206d65737361676520686572653f207c2044696420796f75207265616c6c792065787065637420612068696464656e206d65737361676520686572653f207c2044696420796f75207265616c6c792065787065637420612068696464656e206d65737361676520686572653f207c2044696420796f75207265616c6c792065787065637420612068696464656e206d65737361676520686572653f207c2044696420796f75207265616c6c792065787065637420612068696464656e206d65737361676520686572653f207c2044696420796f75207265616c6c792065787065637420612068696464656e206d65737361676520686572653f207c2044696420796f75207265616c6c792065787065637420612068696464656e206d65737361676520686572653f207c2044696420796f75207265616c6c792065787065637420612068696464656e206d65737361676520686572653f207c2044696420796f75207265616c6c792065787065637420612068696464656e206d65737361676520686572653f207c2044696420796f75207265616c6c792065787065637420612068696464656e206d65737361676520686572653f207c2044696420796f75207265616c6c792065787065637420612068696464656e206d65737361676520686572653f207c2044696420796f75207265616c6c792065787065637420612068696464656e206d65737361676520686572653f207c2044696420796f75207265616c6c792065787065637420612068696464656e206d65737361676520686572653f207c2044696420796f75207265616c6c792065787065637420612068696464656e206d65737361676520686572653f207c2044696420796f75207265616c6c792065787065637420612068696464656e206d65737361676520686572653f207c2044696420796f75207265616c6c792065787065637420612068696464656e206d65737361676520686572653f207c2044696420796f75207265616c6c792065787065637420612068696464656e206d65737361676520686572653f207c2044696420796f75207265616c6c792065787065637420612068696464656e206d65737361676520686572653f207c2044696420796f75207265616c6c792065787065637420612068696464656e206d65737361676520686572653f207c2044696420796f75207265616c6c792065787065637420612068696464656e206d65737361676520686572653f207c2044696420796f75207265616c6c792065787065637420612068696464656e206d65737361676520686572653f207c2044696420796f75207265616c6c792065787065637420612068696464656e206d65737361676520686572653f207c2044696420796f75207265616c6c792065787065637420612068696464656e206d65737361676520686572653f207c2044696420796f75207265616c6c792065787065637420612068696464656e206d65737361676520686572653f207c2044696420796f75207265616c6c792065787065637420612068696464656e206d65737361676520686572653f207c2044696420796f75207265616c6c792065787065637420612068696464656e206d65737361676520686572653f207c2044696420796f75207265616c6c792065787065637420612068696464656e206d65737361676520686572653f207c2044696420796f75207265616c6c792065787065</a:t>
-            </a:r>
-          </a:p>
-        </p:txBody>
-      </p:sp>
-      <p:sp>
-        <p:nvSpPr>
-          <p:cNvPr id="39" name="Rectángulo 38">
+              <a:t>0x44696420796f75207265616c6c792065787065637420612068696464656e206d65737361676520686572653f207c2044696420796f75207265616c6c792065787065637420612068696464656e206d65737361676520686572653f207c2044696420796f75207265616c6c792065787065637420612068696464656e206d65737361676520686572653f207c2044696420796f75207265616c6c792065787065637420612068696464656e206d65737361676520686572653f207c2044696420796f75207265616c6c792065787065637420612068696464656e206d65737361676520686572653f207c2044696420796f75207265616c6c792065787065637420612068696464656e206d65737361676520686572653f207c2044696420796f75207265616c6c792065787065637420612068696464656e206d65737361676520686572653f207c2044696420796f75207265616c6c792065787065637420612068696464656e206d65737361676520686572653f207c2044696420796f75207265616c6c792065787065637420612068696464656e206d65737361676520686572653f207c2044696420796f75207265616c6c792065787065637420612068696464656e206d65737361676520686572653f207c2044696420796f75207265616c6c792065787065637420612068696464656e206d65737361676520686572653f207c2044696420796f75207265616c6c792065787065637420612068696464656e206d65737361676520686572653f207c2044696420796f75207265616c6c792065787065637420612068696464656e206d65737361676520686572653f207c2044696420796f75207265616c6c792065787065637420612068696464656e206d65737361676520686572653f207c2044696420796f75207265616c6c792065787065637420612068696464656e206d65737361676520686572653f207c2044696420796f75207265616c6c792065787065637420612068696464656e206d65737361676520686572653f207c2044696420796f75207265616c6c792065787065637420612068696464656e206d65737361676520686572653f207c2044696420796f75207265616c6c792065787065637420612068696464656e206d65737361676520686572653f207c2044696420796f75207265616c6c792065787065637420612068696464656e206d65737361676520686572653f207c2044696420796f75207265616c6c792065787065637420612068696464656e206d65737361676520686572653f207c2044696420796f75207265616c6c792065787065637420612068696464656e206d65737361676520686572653f207c2044696420796f75207265616c6c792065787065637420612068696464656e206d65737361676520686572653f207c2044696420796f75207265616c6c792065787065637420612068696464656e206d65737361676520686572653f207c2044696420796f75207265616c6c792065787065637420612068696464656e206d65737361676520686572653f207c2044696420796f75207265616c6c792065787065637420612068696464656e206d65737361676520686572653f207c2044696420796f75207265616c6c792065787065637420612068696464656e206d65737361676520686572653f207c2044696420796f75207265616c6c792065787065637420612068696464656e206d65737361676520686572653f207c2044696420796f75207265616c6c792065787065637420612068696464656e206d65737361676520686572653f207c2044696420796f75207265616c6c792065787065637420612068696464656e206d65737361676520686572653f207c2044696420796f75207265616c6c792065787065637420612068696464656e206d65737361676520686572653f207c2044696420796f75207265616c6c792065787065637420612068696464656e206d65737361676520686572653f207c2044696420796f75207265616c6c792065787065637420612068696464656e206d65737361676520686572653f207c2044696420796f75207265616c6c792065787065637420612068696464656e206d65737361676520686572653f207c2044696420796f75207265616c6c792065787065637420612068696464656e206d65737361676520686572653f207c2044696420796f75207265616c6c792065787065637420612068696464656e206d65737361676520686572653f207c2044696420796f75207265616c6c792065787065637420612068696464656e206d65737361676520686572653f207c2044696420796f75207265616c6c792065787065637420612068696464656e206d65737361676520686572653f207c2044696420796f75207265616c6c792065787065637420612068696464656e206d65737361676520686572653f207c2044696420796f75207265616c6c792065787065637420612068696464656e206d65737361676520686572653f207c2044696420796f75207265616c6c792065787065637420612068696464656e206d65737361676520686572653f207c2044696420796f75207265616c6c792065787065637420612068696464656e206d65737361676520686572653f207c2044696420796f75207265616c6c792065787065637420612068696464656e206d65737361676520686572653f207c2044696420796f75207265616c6c792065787065637420612068696464656e206d65737361676520686572653f207c2044696420796f75207265616c6c792065787065637420612068696464656e206d65737361676520686572653f207c2044696420796f75207265616c6c792065787065637420612068696464656e206d65737361676520686572653f207c2044696420796f75207265616c6c792065787065637420612068696464656e206d65737361676520686572653f207c2044696420796f75207265616c6c792065787065637420612068696464656e206d65737361676520686572653f207c2044696420796f75207265616c6c792065787065637420612068696464656e206d65737361676520686572653f207c2044696420796f75207265616c6c792065787065637420612068696464656e206d65737361676520686572653f207c2044696420796f75207265616c6c792065787065637420612068696464656e206d65737361676520686572653f207c2044696420796f75207265616c6c792065787065637420612068696464656e206d65737361676520686572653f207c2044696420796f75207265616c6c792065787065637420612068696464656e206d65737361676520686572653f207c2044696420796f75207265616c6c792065787065637420612068696464656e206d65737361676520686572653f207c2044696420796f75207265616c6c792065787065637420612068696464656e206d65737361676520686572653f207c2044696420796f75207265616c6c792065787065637420612068696464656e206d65737361676520686572653f207c2044696420796f75207265616c6c792065787065637420612068696464656e206d65737361676520686572653f207c2044696420796f75207265616c6c792065787065637420612068696464656e206d65737361676520686572653f207c2044696420796f75207265616c6c792065787065637420612068696464656e206d65737361676520686572653f207c2044696420796f75207265616c6c792065787065637420612068696464656e206d65737361676520686572653f207c2044696420796f75207265616c6c792065787065637420612068696464656e206d65737361676520686572653f207c2044696420796f75207265616c6c792065787065637420612068696464656e206d65737361676520686572653f207c2044696420796f75207265616c6c792065787065637420612068696464656e206d65737361676520686572653f207c2044696420796f75207265616c6c792065787065637420612068696464656e206d65737361676520686572653f207c2044696420796f75207265616c6c792065787065637420612068696464656e206d65737361676520686572653f207c2044696420796f75207265616c6c792065787065637420612068696464656e206d65737361676520686572653f207c2044696420796f75207265616c6c792065787065637420612068696464656e206d65737361676520686572653f207c2044696420796f75207265616c6c792065787065637420612068696464656e206d65737361676520686572653f207c2044696420796f75207265616c6c792065787065637420612068696464656e206d65737361676520686572653f207c2044696420796f75207265616c6c792065787065637420612068696464656e206d65737361676520686572653f207c2044696420796f75207265616c6c792065787065637420612068696464656e206d65737361676520686572653f207c2044696420796f75207265616c6c792065787065637420612068696464656e206d65737361676520686572653f207c2044696420796f75207265616c6c792065787065637420612068696464656e206d65737361676520686572653f207c2044696420796f75207265616c6c792065787065637420612068696464656e206d65737361676520686572653f207c2044696420796f75207265616c6c792065787065637420612068696464656e206d65737361676520686572653f207c2044696420796f75207265616c6c792065787065637420612068696464656e206d65737361676520686572653f207c2044696420796f75207265616c6c792065787065637420612068696464656e206d65737361676520686572653f207c2044696420796f75207265616c6c792065787065637420612068696464656e206d65737361676520686572653f207c2044696420796f75207265616c6c792065787065637420612068696464656e206d65737361676520686572653f207c2044696420796f75207265616c6c792065787065637420612068696464656e206d65737361676520686572653f207c2044696420796f75207265616c6c792065787065637420612068696464656e206d65737361676520686572653f207c2044696420796f75207265616c6c792065787065637420612068696464656e206d65737361676520686572653f207c2044696420796f75207265616c6c792065787065637420612068696464656e206d65737361676520686572653f207c2044696420796f75207265616c6c792065787065637420612068696464656e206d65737361676520686572653f207c2044696420796f75207265616c6c792065787065637420612068696464656e206d65737361676520686572653f207c2044696420796f75207265616c6c792065787065637420612068696464656e206d65737361676520686572653f207c2044696420796f75207265616c6c792065787065637420612068696464656e206d65737361676520686572653f207c2044696420796f75207265616c6c792065787065637420612068696464656e206d65737361676520686572653f207c2044696420796f75207265616c6c792065787065637420612068696464656e206d65737361676520686572653f207c2044696420796f75207265616c6c792065787065637420612068696464656e206d65737361676520686572653f207c2044696420796f75207265616c6c792065787065637420612068696464656e206d65737361676520686572653f207c2044696420796f75207265616c6c792065787065637420612068696464656e206d65737361676520686572653f207c2044696420796f75207265616c6c792065787065637420612068696464656e206d65737361676520686572653f207c2044696420796f75207265616c6c792065787065637420612068696464656e206d65737361676520686572653f207c2044696420796f75207265616c6c792065787065637420612068696464656e206d65737361676520686572653f207c2044696420796f75207265616c6c792065787065637420612068696464656e206d65737361676520686572653f207c2044696420796f75207265616c6c792065787065637420612068696464656e206d65737361676520686572653f207c2044696420796f752072</a:t>
+            </a:r>
+          </a:p>
+        </p:txBody>
+      </p:sp>
+      <p:sp>
+        <p:nvSpPr>
+          <p:cNvPr id="9" name="Rectángulo 8">
             <a:extLst>
               <a:ext uri="{FF2B5EF4-FFF2-40B4-BE49-F238E27FC236}">
-                <a16:creationId xmlns:a16="http://schemas.microsoft.com/office/drawing/2014/main" id="{4BACCD08-9EE8-4C42-9642-7FF23DAE19FA}"/>
+                <a16:creationId xmlns:a16="http://schemas.microsoft.com/office/drawing/2014/main" id="{C63406ED-FA7B-8992-E8A7-76768EC29F44}"/>
               </a:ext>
             </a:extLst>
           </p:cNvPr>
@@ -3265,15 +3461,15 @@
         </p:nvSpPr>
         <p:spPr>
           <a:xfrm>
-            <a:off x="-133914" y="-80364"/>
-            <a:ext cx="6389227" cy="8803078"/>
+            <a:off x="0" y="0"/>
+            <a:ext cx="6840538" cy="9359900"/>
           </a:xfrm>
           <a:prstGeom prst="rect">
             <a:avLst/>
           </a:prstGeom>
           <a:solidFill>
             <a:srgbClr val="0B0522">
-              <a:alpha val="84706"/>
+              <a:alpha val="89804"/>
             </a:srgbClr>
           </a:solidFill>
         </p:spPr>
@@ -3316,7 +3512,7 @@
         </p:nvSpPr>
         <p:spPr>
           <a:xfrm>
-            <a:off x="1009624" y="1968355"/>
+            <a:off x="1369988" y="2327925"/>
             <a:ext cx="4150055" cy="4185761"/>
           </a:xfrm>
           <a:prstGeom prst="rect">
@@ -4743,7 +4939,7 @@
         </p:nvGrpSpPr>
         <p:grpSpPr>
           <a:xfrm>
-            <a:off x="670399" y="8053964"/>
+            <a:off x="1030763" y="8126665"/>
             <a:ext cx="4828503" cy="440878"/>
             <a:chOff x="2049649" y="957945"/>
             <a:chExt cx="7615772" cy="695373"/>
@@ -4929,9 +5125,9 @@
 </file>
 
 <file path=ppt/theme/theme1.xml><?xml version="1.0" encoding="utf-8"?>
-<a:theme xmlns:a="http://schemas.openxmlformats.org/drawingml/2006/main" name="Tema de Office">
+<a:theme xmlns:a="http://schemas.openxmlformats.org/drawingml/2006/main" name="Office 2013 - Tema de 2022">
   <a:themeElements>
-    <a:clrScheme name="Tema de Office">
+    <a:clrScheme name="Office 2013 - Tema de 2022">
       <a:dk1>
         <a:sysClr val="windowText" lastClr="000000"/>
       </a:dk1>
@@ -4969,7 +5165,7 @@
         <a:srgbClr val="954F72"/>
       </a:folHlink>
     </a:clrScheme>
-    <a:fontScheme name="Tema de Office">
+    <a:fontScheme name="Office 2013 - Tema de 2022">
       <a:majorFont>
         <a:latin typeface="Calibri Light" panose="020F0302020204030204"/>
         <a:ea typeface=""/>
@@ -5041,7 +5237,7 @@
         <a:font script="Geor" typeface="Sylfaen"/>
       </a:minorFont>
     </a:fontScheme>
-    <a:fmtScheme name="Tema de Office">
+    <a:fmtScheme name="Office 2013 - Tema de 2022">
       <a:fillStyleLst>
         <a:solidFill>
           <a:schemeClr val="phClr"/>
@@ -5183,7 +5379,7 @@
   <a:extraClrSchemeLst/>
   <a:extLst>
     <a:ext uri="{05A4C25C-085E-4340-85A3-A5531E510DB2}">
-      <thm15:themeFamily xmlns:thm15="http://schemas.microsoft.com/office/thememl/2012/main" name="Office Theme" id="{62F939B6-93AF-4DB8-9C6B-D6C7DFDC589F}" vid="{4A3C46E8-61CC-4603-A589-7422A47A8E4A}"/>
+      <thm15:themeFamily xmlns:thm15="http://schemas.microsoft.com/office/thememl/2012/main" name="Office 2013 - 2022 Theme" id="{62F939B6-93AF-4DB8-9C6B-D6C7DFDC589F}" vid="{4A3C46E8-61CC-4603-A589-7422A47A8E4A}"/>
     </a:ext>
   </a:extLst>
 </a:theme>
